--- a/Jesus Arias - Resume.pptx
+++ b/Jesus Arias - Resume.pptx
@@ -5,11 +5,10 @@
     <p:sldMasterId id="2147483648" r:id="rId1"/>
   </p:sldMasterIdLst>
   <p:notesMasterIdLst>
-    <p:notesMasterId r:id="rId4"/>
+    <p:notesMasterId r:id="rId3"/>
   </p:notesMasterIdLst>
   <p:sldIdLst>
     <p:sldId id="257" r:id="rId2"/>
-    <p:sldId id="258" r:id="rId3"/>
   </p:sldIdLst>
   <p:sldSz cx="6858000" cy="9144000" type="screen4x3"/>
   <p:notesSz cx="6858000" cy="9144000"/>
@@ -110,18 +109,7 @@
   </p:defaultTextStyle>
   <p:extLst>
     <p:ext uri="{EFAFB233-063F-42B5-8137-9DF3F51BA10A}">
-      <p15:sldGuideLst xmlns:p15="http://schemas.microsoft.com/office/powerpoint/2012/main">
-        <p15:guide id="1" orient="horz" pos="3168" userDrawn="1">
-          <p15:clr>
-            <a:srgbClr val="A4A3A4"/>
-          </p15:clr>
-        </p15:guide>
-        <p15:guide id="3" pos="288" userDrawn="1">
-          <p15:clr>
-            <a:srgbClr val="A4A3A4"/>
-          </p15:clr>
-        </p15:guide>
-      </p15:sldGuideLst>
+      <p15:sldGuideLst xmlns:p15="http://schemas.microsoft.com/office/powerpoint/2012/main"/>
     </p:ext>
   </p:extLst>
 </p:presentation>
@@ -209,7 +197,7 @@
           <a:p>
             <a:fld id="{BE9FF927-CE4B-47CA-B302-1AB75673B86E}" type="datetimeFigureOut">
               <a:rPr lang="en-US" smtClean="0"/>
-              <a:t>7/7/2024</a:t>
+              <a:t>7/11/2024</a:t>
             </a:fld>
             <a:endParaRPr lang="en-US"/>
           </a:p>
@@ -699,7 +687,7 @@
           <a:p>
             <a:fld id="{1D8BD707-D9CF-40AE-B4C6-C98DA3205C09}" type="datetimeFigureOut">
               <a:rPr lang="en-US"/>
-              <a:t>7/7/2024</a:t>
+              <a:t>7/11/2024</a:t>
             </a:fld>
             <a:endParaRPr lang="en-US"/>
           </a:p>
@@ -870,7 +858,7 @@
           <a:p>
             <a:fld id="{1D8BD707-D9CF-40AE-B4C6-C98DA3205C09}" type="datetimeFigureOut">
               <a:rPr lang="en-US"/>
-              <a:t>7/7/2024</a:t>
+              <a:t>7/11/2024</a:t>
             </a:fld>
             <a:endParaRPr lang="en-US"/>
           </a:p>
@@ -1084,7 +1072,7 @@
           <a:p>
             <a:fld id="{1D8BD707-D9CF-40AE-B4C6-C98DA3205C09}" type="datetimeFigureOut">
               <a:rPr lang="en-US"/>
-              <a:t>7/7/2024</a:t>
+              <a:t>7/11/2024</a:t>
             </a:fld>
             <a:endParaRPr lang="en-US"/>
           </a:p>
@@ -1232,7 +1220,7 @@
           <a:p>
             <a:fld id="{1D8BD707-D9CF-40AE-B4C6-C98DA3205C09}" type="datetimeFigureOut">
               <a:rPr lang="en-US"/>
-              <a:t>7/7/2024</a:t>
+              <a:t>7/11/2024</a:t>
             </a:fld>
             <a:endParaRPr lang="en-US"/>
           </a:p>
@@ -1351,7 +1339,7 @@
           <a:p>
             <a:fld id="{1D8BD707-D9CF-40AE-B4C6-C98DA3205C09}" type="datetimeFigureOut">
               <a:rPr lang="en-US"/>
-              <a:t>7/7/2024</a:t>
+              <a:t>7/11/2024</a:t>
             </a:fld>
             <a:endParaRPr lang="en-US"/>
           </a:p>
@@ -1570,7 +1558,7 @@
           <a:p>
             <a:fld id="{1D8BD707-D9CF-40AE-B4C6-C98DA3205C09}" type="datetimeFigureOut">
               <a:rPr lang="en-US"/>
-              <a:t>7/7/2024</a:t>
+              <a:t>7/11/2024</a:t>
             </a:fld>
             <a:endParaRPr lang="en-US"/>
           </a:p>
@@ -1803,8 +1791,8 @@
         </p:nvSpPr>
         <p:spPr>
           <a:xfrm>
-            <a:off x="222095" y="433086"/>
-            <a:ext cx="2209800" cy="523220"/>
+            <a:off x="237403" y="418864"/>
+            <a:ext cx="2209800" cy="553998"/>
           </a:xfrm>
           <a:prstGeom prst="rect">
             <a:avLst/>
@@ -1819,8 +1807,8 @@
           <a:p>
             <a:pPr algn="ctr"/>
             <a:r>
-              <a:rPr lang="en-US" sz="2800" b="1" dirty="0">
-                <a:latin typeface="Times New Roman" panose="02020603050405020304" pitchFamily="18" charset="0"/>
+              <a:rPr lang="en-US" sz="3000" b="1" dirty="0">
+                <a:latin typeface="+mj-lt"/>
                 <a:cs typeface="Times New Roman" panose="02020603050405020304" pitchFamily="18" charset="0"/>
               </a:rPr>
               <a:t>Jesus Arias</a:t>
@@ -1866,7 +1854,7 @@
             </a:pPr>
             <a:r>
               <a:rPr lang="en-US" sz="900" dirty="0">
-                <a:latin typeface="Times New Roman" panose="02020603050405020304" pitchFamily="18" charset="0"/>
+                <a:latin typeface="+mj-lt"/>
                 <a:cs typeface="Times New Roman" panose="02020603050405020304" pitchFamily="18" charset="0"/>
                 <a:hlinkClick r:id="rId3"/>
               </a:rPr>
@@ -1874,14 +1862,14 @@
             </a:r>
             <a:r>
               <a:rPr lang="en-US" sz="900" dirty="0">
-                <a:latin typeface="Times New Roman" panose="02020603050405020304" pitchFamily="18" charset="0"/>
+                <a:latin typeface="+mj-lt"/>
                 <a:cs typeface="Times New Roman" panose="02020603050405020304" pitchFamily="18" charset="0"/>
               </a:rPr>
-              <a:t> | github.com/jearias | </a:t>
+              <a:t> | 480-939-1780 |github.com/jearias | </a:t>
             </a:r>
             <a:r>
               <a:rPr lang="en-US" sz="900" dirty="0">
-                <a:latin typeface="Times New Roman" panose="02020603050405020304" pitchFamily="18" charset="0"/>
+                <a:latin typeface="+mj-lt"/>
                 <a:cs typeface="Times New Roman" panose="02020603050405020304" pitchFamily="18" charset="0"/>
                 <a:hlinkClick r:id="rId4"/>
               </a:rPr>
@@ -1889,7 +1877,7 @@
             </a:r>
             <a:r>
               <a:rPr lang="en-US" sz="900" dirty="0" err="1">
-                <a:latin typeface="Times New Roman" panose="02020603050405020304" pitchFamily="18" charset="0"/>
+                <a:latin typeface="+mj-lt"/>
                 <a:cs typeface="Times New Roman" panose="02020603050405020304" pitchFamily="18" charset="0"/>
                 <a:hlinkClick r:id="rId4"/>
               </a:rPr>
@@ -1897,33 +1885,26 @@
             </a:r>
             <a:r>
               <a:rPr lang="en-US" sz="900" dirty="0">
-                <a:latin typeface="Times New Roman" panose="02020603050405020304" pitchFamily="18" charset="0"/>
+                <a:latin typeface="+mj-lt"/>
                 <a:cs typeface="Times New Roman" panose="02020603050405020304" pitchFamily="18" charset="0"/>
                 <a:hlinkClick r:id="rId4"/>
               </a:rPr>
               <a:t>/</a:t>
             </a:r>
-            <a:r>
-              <a:rPr lang="en-US" sz="900" dirty="0">
-                <a:latin typeface="Times New Roman" panose="02020603050405020304" pitchFamily="18" charset="0"/>
-                <a:cs typeface="Times New Roman" panose="02020603050405020304" pitchFamily="18" charset="0"/>
-              </a:rPr>
-              <a:t> | 480-939-1780</a:t>
-            </a:r>
             <a:br>
               <a:rPr lang="en-US" sz="900" dirty="0">
-                <a:latin typeface="Times New Roman" panose="02020603050405020304" pitchFamily="18" charset="0"/>
+                <a:latin typeface="+mj-lt"/>
                 <a:cs typeface="Times New Roman" panose="02020603050405020304" pitchFamily="18" charset="0"/>
               </a:rPr>
             </a:br>
             <a:br>
               <a:rPr lang="en-US" sz="900" dirty="0">
-                <a:latin typeface="Times New Roman" panose="02020603050405020304" pitchFamily="18" charset="0"/>
+                <a:latin typeface="+mj-lt"/>
                 <a:cs typeface="Times New Roman" panose="02020603050405020304" pitchFamily="18" charset="0"/>
               </a:rPr>
             </a:br>
             <a:endParaRPr sz="900" b="1" dirty="0">
-              <a:latin typeface="Times New Roman" panose="02020603050405020304" pitchFamily="18" charset="0"/>
+              <a:latin typeface="+mj-lt"/>
               <a:cs typeface="Times New Roman" panose="02020603050405020304" pitchFamily="18" charset="0"/>
             </a:endParaRPr>
           </a:p>
@@ -1931,10 +1912,10 @@
       </p:sp>
       <p:grpSp>
         <p:nvGrpSpPr>
-          <p:cNvPr id="39" name="Group 38">
+          <p:cNvPr id="51" name="Group 50">
             <a:extLst>
               <a:ext uri="{FF2B5EF4-FFF2-40B4-BE49-F238E27FC236}">
-                <a16:creationId xmlns:a16="http://schemas.microsoft.com/office/drawing/2014/main" id="{75621448-B6A5-49B6-B365-99A572DE5BBF}"/>
+                <a16:creationId xmlns:a16="http://schemas.microsoft.com/office/drawing/2014/main" id="{76FF8BBA-7668-9A85-735D-F41BA279D885}"/>
               </a:ext>
             </a:extLst>
           </p:cNvPr>
@@ -1943,18 +1924,725 @@
         </p:nvGrpSpPr>
         <p:grpSpPr>
           <a:xfrm>
-            <a:off x="394324" y="2209800"/>
-            <a:ext cx="6410417" cy="6049180"/>
-            <a:chOff x="394324" y="2172607"/>
-            <a:chExt cx="6410417" cy="6049180"/>
+            <a:off x="386860" y="2307719"/>
+            <a:ext cx="6393686" cy="870047"/>
+            <a:chOff x="389735" y="1173763"/>
+            <a:chExt cx="6400798" cy="870047"/>
           </a:xfrm>
         </p:grpSpPr>
+        <p:sp>
+          <p:nvSpPr>
+            <p:cNvPr id="10" name="TextBox 9">
+              <a:extLst>
+                <a:ext uri="{FF2B5EF4-FFF2-40B4-BE49-F238E27FC236}">
+                  <a16:creationId xmlns:a16="http://schemas.microsoft.com/office/drawing/2014/main" id="{F9D0BB2A-8DD7-51D4-370E-CC94940745A0}"/>
+                </a:ext>
+              </a:extLst>
+            </p:cNvPr>
+            <p:cNvSpPr txBox="1"/>
+            <p:nvPr/>
+          </p:nvSpPr>
+          <p:spPr>
+            <a:xfrm>
+              <a:off x="396847" y="1173763"/>
+              <a:ext cx="1447800" cy="307777"/>
+            </a:xfrm>
+            <a:prstGeom prst="rect">
+              <a:avLst/>
+            </a:prstGeom>
+            <a:noFill/>
+          </p:spPr>
+          <p:txBody>
+            <a:bodyPr wrap="square" rtlCol="0">
+              <a:spAutoFit/>
+            </a:bodyPr>
+            <a:lstStyle/>
+            <a:p>
+              <a:r>
+                <a:rPr lang="en-US" sz="1400" b="1" dirty="0">
+                  <a:latin typeface="+mj-lt"/>
+                  <a:cs typeface="Times New Roman" panose="02020603050405020304" pitchFamily="18" charset="0"/>
+                </a:rPr>
+                <a:t>EDUCATION</a:t>
+              </a:r>
+              <a:endParaRPr lang="en-US" sz="1600" b="1" dirty="0">
+                <a:latin typeface="+mj-lt"/>
+                <a:cs typeface="Times New Roman" panose="02020603050405020304" pitchFamily="18" charset="0"/>
+              </a:endParaRPr>
+            </a:p>
+          </p:txBody>
+        </p:sp>
+        <p:cxnSp>
+          <p:nvCxnSpPr>
+            <p:cNvPr id="14" name="Straight Connector 13">
+              <a:extLst>
+                <a:ext uri="{FF2B5EF4-FFF2-40B4-BE49-F238E27FC236}">
+                  <a16:creationId xmlns:a16="http://schemas.microsoft.com/office/drawing/2014/main" id="{D17F0D35-48E7-8979-D687-794953B357EC}"/>
+                </a:ext>
+              </a:extLst>
+            </p:cNvPr>
+            <p:cNvCxnSpPr>
+              <a:cxnSpLocks/>
+            </p:cNvCxnSpPr>
+            <p:nvPr/>
+          </p:nvCxnSpPr>
+          <p:spPr>
+            <a:xfrm flipV="1">
+              <a:off x="469900" y="1411234"/>
+              <a:ext cx="5937250" cy="1777"/>
+            </a:xfrm>
+            <a:prstGeom prst="line">
+              <a:avLst/>
+            </a:prstGeom>
+            <a:ln>
+              <a:solidFill>
+                <a:schemeClr val="tx1"/>
+              </a:solidFill>
+            </a:ln>
+          </p:spPr>
+          <p:style>
+            <a:lnRef idx="1">
+              <a:schemeClr val="accent1"/>
+            </a:lnRef>
+            <a:fillRef idx="0">
+              <a:schemeClr val="accent1"/>
+            </a:fillRef>
+            <a:effectRef idx="0">
+              <a:schemeClr val="accent1"/>
+            </a:effectRef>
+            <a:fontRef idx="minor">
+              <a:schemeClr val="tx1"/>
+            </a:fontRef>
+          </p:style>
+        </p:cxnSp>
+        <p:sp>
+          <p:nvSpPr>
+            <p:cNvPr id="19" name="TextBox 18">
+              <a:extLst>
+                <a:ext uri="{FF2B5EF4-FFF2-40B4-BE49-F238E27FC236}">
+                  <a16:creationId xmlns:a16="http://schemas.microsoft.com/office/drawing/2014/main" id="{B36CFA63-257F-CA91-BA37-761D5145E7A9}"/>
+                </a:ext>
+              </a:extLst>
+            </p:cNvPr>
+            <p:cNvSpPr txBox="1"/>
+            <p:nvPr/>
+          </p:nvSpPr>
+          <p:spPr>
+            <a:xfrm>
+              <a:off x="389735" y="1384655"/>
+              <a:ext cx="6400798" cy="659155"/>
+            </a:xfrm>
+            <a:prstGeom prst="rect">
+              <a:avLst/>
+            </a:prstGeom>
+            <a:noFill/>
+          </p:spPr>
+          <p:txBody>
+            <a:bodyPr wrap="square">
+              <a:spAutoFit/>
+            </a:bodyPr>
+            <a:lstStyle/>
+            <a:p>
+              <a:pPr marL="12700">
+                <a:lnSpc>
+                  <a:spcPct val="100000"/>
+                </a:lnSpc>
+                <a:spcBef>
+                  <a:spcPts val="95"/>
+                </a:spcBef>
+              </a:pPr>
+              <a:r>
+                <a:rPr lang="en-US" sz="1200" b="1" spc="-5" dirty="0">
+                  <a:latin typeface="+mj-lt"/>
+                  <a:cs typeface="Times New Roman" panose="02020603050405020304" pitchFamily="18" charset="0"/>
+                </a:rPr>
+                <a:t>The University </a:t>
+              </a:r>
+              <a:r>
+                <a:rPr lang="en-US" sz="1200" b="1" dirty="0">
+                  <a:latin typeface="+mj-lt"/>
+                  <a:cs typeface="Times New Roman" panose="02020603050405020304" pitchFamily="18" charset="0"/>
+                </a:rPr>
+                <a:t>of </a:t>
+              </a:r>
+              <a:r>
+                <a:rPr lang="en-US" sz="1200" b="1" spc="-5" dirty="0">
+                  <a:latin typeface="+mj-lt"/>
+                  <a:cs typeface="Times New Roman" panose="02020603050405020304" pitchFamily="18" charset="0"/>
+                </a:rPr>
+                <a:t>Arizona – W.A. Franke Honors College</a:t>
+              </a:r>
+            </a:p>
+            <a:p>
+              <a:pPr marL="12700">
+                <a:lnSpc>
+                  <a:spcPct val="100000"/>
+                </a:lnSpc>
+                <a:spcBef>
+                  <a:spcPts val="95"/>
+                </a:spcBef>
+              </a:pPr>
+              <a:r>
+                <a:rPr lang="en-US" sz="1200" i="1" spc="-5" dirty="0">
+                  <a:latin typeface="+mj-lt"/>
+                  <a:cs typeface="Times New Roman" panose="02020603050405020304" pitchFamily="18" charset="0"/>
+                </a:rPr>
+                <a:t>B.S. - Electrical Engineering and </a:t>
+              </a:r>
+              <a:r>
+                <a:rPr lang="en-US" sz="1200" i="1" spc="-10" dirty="0">
+                  <a:latin typeface="+mj-lt"/>
+                  <a:cs typeface="Times New Roman" panose="02020603050405020304" pitchFamily="18" charset="0"/>
+                </a:rPr>
+                <a:t>Computer Engineering</a:t>
+              </a:r>
+            </a:p>
+            <a:p>
+              <a:pPr marL="12700">
+                <a:lnSpc>
+                  <a:spcPct val="100000"/>
+                </a:lnSpc>
+              </a:pPr>
+              <a:r>
+                <a:rPr lang="en-US" sz="1200" i="1" spc="-10" dirty="0">
+                  <a:latin typeface="+mj-lt"/>
+                  <a:cs typeface="Times New Roman" panose="02020603050405020304" pitchFamily="18" charset="0"/>
+                </a:rPr>
+                <a:t>Minor - Mathematics</a:t>
+              </a:r>
+            </a:p>
+          </p:txBody>
+        </p:sp>
+        <p:sp>
+          <p:nvSpPr>
+            <p:cNvPr id="46" name="TextBox 45">
+              <a:extLst>
+                <a:ext uri="{FF2B5EF4-FFF2-40B4-BE49-F238E27FC236}">
+                  <a16:creationId xmlns:a16="http://schemas.microsoft.com/office/drawing/2014/main" id="{9C9787FC-55EF-D7B1-C589-DF79261B966B}"/>
+                </a:ext>
+              </a:extLst>
+            </p:cNvPr>
+            <p:cNvSpPr txBox="1"/>
+            <p:nvPr/>
+          </p:nvSpPr>
+          <p:spPr>
+            <a:xfrm>
+              <a:off x="4897866" y="1541950"/>
+              <a:ext cx="1715486" cy="430887"/>
+            </a:xfrm>
+            <a:prstGeom prst="rect">
+              <a:avLst/>
+            </a:prstGeom>
+            <a:noFill/>
+          </p:spPr>
+          <p:txBody>
+            <a:bodyPr wrap="square" rtlCol="0">
+              <a:spAutoFit/>
+            </a:bodyPr>
+            <a:lstStyle/>
+            <a:p>
+              <a:pPr algn="ctr"/>
+              <a:r>
+                <a:rPr lang="en-US" sz="1100" dirty="0">
+                  <a:latin typeface="+mj-lt"/>
+                  <a:cs typeface="Times New Roman" panose="02020603050405020304" pitchFamily="18" charset="0"/>
+                </a:rPr>
+                <a:t>May 2023</a:t>
+              </a:r>
+            </a:p>
+            <a:p>
+              <a:pPr algn="ctr"/>
+              <a:r>
+                <a:rPr lang="en-US" sz="1100" dirty="0">
+                  <a:latin typeface="+mj-lt"/>
+                  <a:cs typeface="Times New Roman" panose="02020603050405020304" pitchFamily="18" charset="0"/>
+                </a:rPr>
+                <a:t>GPA: 3.53</a:t>
+              </a:r>
+            </a:p>
+          </p:txBody>
+        </p:sp>
+      </p:grpSp>
+      <p:grpSp>
+        <p:nvGrpSpPr>
+          <p:cNvPr id="29" name="Group 28">
+            <a:extLst>
+              <a:ext uri="{FF2B5EF4-FFF2-40B4-BE49-F238E27FC236}">
+                <a16:creationId xmlns:a16="http://schemas.microsoft.com/office/drawing/2014/main" id="{C49E0756-AD62-E52D-7186-D12C5A63A1FD}"/>
+              </a:ext>
+            </a:extLst>
+          </p:cNvPr>
+          <p:cNvGrpSpPr/>
+          <p:nvPr/>
+        </p:nvGrpSpPr>
+        <p:grpSpPr>
+          <a:xfrm>
+            <a:off x="393964" y="3108913"/>
+            <a:ext cx="6209782" cy="4965222"/>
+            <a:chOff x="411055" y="3024435"/>
+            <a:chExt cx="6209782" cy="6498076"/>
+          </a:xfrm>
+        </p:grpSpPr>
+        <p:sp>
+          <p:nvSpPr>
+            <p:cNvPr id="35" name="object 11">
+              <a:extLst>
+                <a:ext uri="{FF2B5EF4-FFF2-40B4-BE49-F238E27FC236}">
+                  <a16:creationId xmlns:a16="http://schemas.microsoft.com/office/drawing/2014/main" id="{B58EADCE-FE40-5236-8850-4E388D4DDB2F}"/>
+                </a:ext>
+              </a:extLst>
+            </p:cNvPr>
+            <p:cNvSpPr txBox="1"/>
+            <p:nvPr/>
+          </p:nvSpPr>
+          <p:spPr>
+            <a:xfrm>
+              <a:off x="498321" y="3343839"/>
+              <a:ext cx="5969754" cy="6178672"/>
+            </a:xfrm>
+            <a:prstGeom prst="rect">
+              <a:avLst/>
+            </a:prstGeom>
+          </p:spPr>
+          <p:txBody>
+            <a:bodyPr vert="horz" wrap="square" lIns="0" tIns="12065" rIns="0" bIns="0" rtlCol="0">
+              <a:spAutoFit/>
+            </a:bodyPr>
+            <a:lstStyle/>
+            <a:p>
+              <a:pPr marL="12700" marR="5080">
+                <a:lnSpc>
+                  <a:spcPct val="100000"/>
+                </a:lnSpc>
+                <a:spcBef>
+                  <a:spcPts val="95"/>
+                </a:spcBef>
+              </a:pPr>
+              <a:r>
+                <a:rPr lang="en-US" sz="1200" b="1" dirty="0">
+                  <a:latin typeface="+mj-lt"/>
+                  <a:cs typeface="Times New Roman" panose="02020603050405020304" pitchFamily="18" charset="0"/>
+                </a:rPr>
+                <a:t>Hardware Computer/Reliability Engineer</a:t>
+              </a:r>
+            </a:p>
+            <a:p>
+              <a:pPr marL="12700" marR="5080">
+                <a:lnSpc>
+                  <a:spcPct val="100000"/>
+                </a:lnSpc>
+                <a:spcBef>
+                  <a:spcPts val="95"/>
+                </a:spcBef>
+              </a:pPr>
+              <a:r>
+                <a:rPr lang="en-US" sz="1100" b="1" dirty="0">
+                  <a:latin typeface="+mj-lt"/>
+                  <a:cs typeface="Times New Roman" panose="02020603050405020304" pitchFamily="18" charset="0"/>
+                </a:rPr>
+                <a:t>Microchip Technology Inc.</a:t>
+              </a:r>
+            </a:p>
+            <a:p>
+              <a:pPr marL="171450" indent="-171450">
+                <a:buFont typeface="Arial" panose="020B0604020202020204" pitchFamily="34" charset="0"/>
+                <a:buChar char="•"/>
+              </a:pPr>
+              <a:r>
+                <a:rPr lang="en-US" sz="1100" dirty="0">
+                  <a:latin typeface="+mj-lt"/>
+                  <a:cs typeface="Times New Roman" panose="02020603050405020304" pitchFamily="18" charset="0"/>
+                </a:rPr>
+                <a:t>Developed a Python automation script to parse and calculate MTBFIT data from quarterly Reliability Monitoring Reports: featuring directory file selection, precise data separation and requisition, streamlined JSON conversion for efficient storage, and automatic file creation timestamping.</a:t>
+              </a:r>
+            </a:p>
+            <a:p>
+              <a:pPr marL="171450" indent="-171450">
+                <a:buFont typeface="Arial" panose="020B0604020202020204" pitchFamily="34" charset="0"/>
+                <a:buChar char="•"/>
+              </a:pPr>
+              <a:r>
+                <a:rPr lang="en-US" sz="1100" dirty="0">
+                  <a:latin typeface="+mj-lt"/>
+                  <a:cs typeface="Times New Roman" panose="02020603050405020304" pitchFamily="18" charset="0"/>
+                </a:rPr>
+                <a:t>Proficient in planning and designing Printed Circuit Boards (PCBs) specialized for Failure Analysis Breakout Cards.</a:t>
+              </a:r>
+            </a:p>
+            <a:p>
+              <a:pPr marL="171450" indent="-171450">
+                <a:buFont typeface="Arial" panose="020B0604020202020204" pitchFamily="34" charset="0"/>
+                <a:buChar char="•"/>
+              </a:pPr>
+              <a:r>
+                <a:rPr lang="en-US" sz="1100" dirty="0">
+                  <a:latin typeface="+mj-lt"/>
+                  <a:cs typeface="Times New Roman" panose="02020603050405020304" pitchFamily="18" charset="0"/>
+                </a:rPr>
+                <a:t>Operated and managed advanced burn-in systems: ELES </a:t>
+              </a:r>
+              <a:r>
+                <a:rPr lang="en-US" sz="1100" dirty="0" err="1">
+                  <a:latin typeface="+mj-lt"/>
+                  <a:cs typeface="Times New Roman" panose="02020603050405020304" pitchFamily="18" charset="0"/>
+                </a:rPr>
+                <a:t>smART</a:t>
+              </a:r>
+              <a:r>
+                <a:rPr lang="en-US" sz="1100" dirty="0">
+                  <a:latin typeface="+mj-lt"/>
+                  <a:cs typeface="Times New Roman" panose="02020603050405020304" pitchFamily="18" charset="0"/>
+                </a:rPr>
+                <a:t>, ELES TTS1, ELES </a:t>
+              </a:r>
+              <a:r>
+                <a:rPr lang="en-US" sz="1100" dirty="0" err="1">
+                  <a:latin typeface="+mj-lt"/>
+                  <a:cs typeface="Times New Roman" panose="02020603050405020304" pitchFamily="18" charset="0"/>
+                </a:rPr>
+                <a:t>MTx</a:t>
+              </a:r>
+              <a:r>
+                <a:rPr lang="en-US" sz="1100" dirty="0">
+                  <a:latin typeface="+mj-lt"/>
+                  <a:cs typeface="Times New Roman" panose="02020603050405020304" pitchFamily="18" charset="0"/>
+                </a:rPr>
+                <a:t>, MCC-LC2, and AEHR Max2/Max3 ovens, enhancing operational performance.</a:t>
+              </a:r>
+            </a:p>
+            <a:p>
+              <a:pPr marL="171450" indent="-171450">
+                <a:buFont typeface="Arial" panose="020B0604020202020204" pitchFamily="34" charset="0"/>
+                <a:buChar char="•"/>
+              </a:pPr>
+              <a:r>
+                <a:rPr lang="en-US" sz="1100" dirty="0">
+                  <a:latin typeface="+mj-lt"/>
+                  <a:cs typeface="Times New Roman" panose="02020603050405020304" pitchFamily="18" charset="0"/>
+                </a:rPr>
+                <a:t>Researched and submitted 30+ Burn-In Spec product qualification reports, demonstrating meticulous attention to detail.</a:t>
+              </a:r>
+            </a:p>
+            <a:p>
+              <a:pPr marL="171450" indent="-171450">
+                <a:buFont typeface="Arial" panose="020B0604020202020204" pitchFamily="34" charset="0"/>
+                <a:buChar char="•"/>
+              </a:pPr>
+              <a:r>
+                <a:rPr lang="en-US" sz="1100" dirty="0">
+                  <a:latin typeface="+mj-lt"/>
+                  <a:cs typeface="Times New Roman" panose="02020603050405020304" pitchFamily="18" charset="0"/>
+                </a:rPr>
+                <a:t>Created an AEHR to MCC-LC2 burn-in program conversion using Python, improving workflow efficiency and cross-platform compatibility between burn-in systems.</a:t>
+              </a:r>
+            </a:p>
+            <a:p>
+              <a:pPr marL="12700" marR="5080" lvl="0" indent="0" algn="l" defTabSz="914400" rtl="0" eaLnBrk="1" fontAlgn="auto" latinLnBrk="0" hangingPunct="1">
+                <a:lnSpc>
+                  <a:spcPct val="100000"/>
+                </a:lnSpc>
+                <a:spcBef>
+                  <a:spcPts val="95"/>
+                </a:spcBef>
+                <a:spcAft>
+                  <a:spcPts val="0"/>
+                </a:spcAft>
+                <a:buClrTx/>
+                <a:buSzTx/>
+                <a:buFontTx/>
+                <a:buNone/>
+                <a:tabLst/>
+                <a:defRPr/>
+              </a:pPr>
+              <a:r>
+                <a:rPr kumimoji="0" lang="en-US" sz="1200" b="1" i="0" u="none" strike="noStrike" kern="1200" cap="none" spc="0" normalizeH="0" baseline="0" noProof="0" dirty="0">
+                  <a:ln>
+                    <a:noFill/>
+                  </a:ln>
+                  <a:solidFill>
+                    <a:prstClr val="black"/>
+                  </a:solidFill>
+                  <a:effectLst/>
+                  <a:uLnTx/>
+                  <a:uFillTx/>
+                  <a:latin typeface="+mj-lt"/>
+                  <a:ea typeface="+mn-ea"/>
+                  <a:cs typeface="Times New Roman" panose="02020603050405020304" pitchFamily="18" charset="0"/>
+                </a:rPr>
+                <a:t>Software Engineering Intern</a:t>
+              </a:r>
+            </a:p>
+            <a:p>
+              <a:pPr marL="12700" marR="5080" lvl="0" indent="0" algn="l" defTabSz="914400" rtl="0" eaLnBrk="1" fontAlgn="auto" latinLnBrk="0" hangingPunct="1">
+                <a:lnSpc>
+                  <a:spcPct val="100000"/>
+                </a:lnSpc>
+                <a:spcBef>
+                  <a:spcPts val="95"/>
+                </a:spcBef>
+                <a:spcAft>
+                  <a:spcPts val="0"/>
+                </a:spcAft>
+                <a:buClrTx/>
+                <a:buSzTx/>
+                <a:buFontTx/>
+                <a:buNone/>
+                <a:tabLst/>
+                <a:defRPr/>
+              </a:pPr>
+              <a:r>
+                <a:rPr lang="en-US" sz="1050" b="1" dirty="0">
+                  <a:solidFill>
+                    <a:prstClr val="black"/>
+                  </a:solidFill>
+                  <a:latin typeface="+mj-lt"/>
+                  <a:cs typeface="Times New Roman" panose="02020603050405020304" pitchFamily="18" charset="0"/>
+                </a:rPr>
+                <a:t>IBM </a:t>
+              </a:r>
+              <a:r>
+                <a:rPr lang="en-US" sz="1100" b="1" dirty="0">
+                  <a:solidFill>
+                    <a:prstClr val="black"/>
+                  </a:solidFill>
+                  <a:latin typeface="+mj-lt"/>
+                  <a:cs typeface="Times New Roman" panose="02020603050405020304" pitchFamily="18" charset="0"/>
+                </a:rPr>
+                <a:t>Corporation</a:t>
+              </a:r>
+            </a:p>
+            <a:p>
+              <a:pPr marL="171450" indent="-171450">
+                <a:buFont typeface="Arial" panose="020B0604020202020204" pitchFamily="34" charset="0"/>
+                <a:buChar char="•"/>
+              </a:pPr>
+              <a:r>
+                <a:rPr lang="en-US" sz="1100" dirty="0">
+                  <a:latin typeface="+mj-lt"/>
+                  <a:cs typeface="Times New Roman" panose="02020603050405020304" pitchFamily="18" charset="0"/>
+                </a:rPr>
+                <a:t>Assisted in development of a diagnostic health evaluation bash script deployed to over 4000 XIV/A9000/R flash storage systems to identify potential failing BBU power supplies.</a:t>
+              </a:r>
+            </a:p>
+            <a:p>
+              <a:pPr marL="171450" indent="-171450">
+                <a:buFont typeface="Arial" panose="020B0604020202020204" pitchFamily="34" charset="0"/>
+                <a:buChar char="•"/>
+              </a:pPr>
+              <a:r>
+                <a:rPr lang="en-US" sz="1100" dirty="0">
+                  <a:latin typeface="+mj-lt"/>
+                  <a:cs typeface="Times New Roman" panose="02020603050405020304" pitchFamily="18" charset="0"/>
+                </a:rPr>
+                <a:t>Implemented the bash script which upon completion negated the need for physical BBU power supply replacement for over 10,000 servers worldwide.</a:t>
+              </a:r>
+            </a:p>
+            <a:p>
+              <a:pPr marL="171450" indent="-171450">
+                <a:buFont typeface="Arial" panose="020B0604020202020204" pitchFamily="34" charset="0"/>
+                <a:buChar char="•"/>
+              </a:pPr>
+              <a:r>
+                <a:rPr lang="en-US" sz="1100" dirty="0">
+                  <a:latin typeface="+mj-lt"/>
+                  <a:cs typeface="Times New Roman" panose="02020603050405020304" pitchFamily="18" charset="0"/>
+                </a:rPr>
+                <a:t>Diagnosed technical issues and supported clients in resolving issues related to their the XIV/A9000/R flash storage system servers.</a:t>
+              </a:r>
+            </a:p>
+            <a:p>
+              <a:pPr marL="12700" marR="5080" lvl="0" indent="0" algn="l" defTabSz="914400" rtl="0" eaLnBrk="1" fontAlgn="auto" latinLnBrk="0" hangingPunct="1">
+                <a:lnSpc>
+                  <a:spcPct val="100000"/>
+                </a:lnSpc>
+                <a:spcBef>
+                  <a:spcPts val="95"/>
+                </a:spcBef>
+                <a:spcAft>
+                  <a:spcPts val="0"/>
+                </a:spcAft>
+                <a:buClrTx/>
+                <a:buSzTx/>
+                <a:buFontTx/>
+                <a:buNone/>
+                <a:tabLst/>
+                <a:defRPr/>
+              </a:pPr>
+              <a:endParaRPr kumimoji="0" lang="en-US" sz="1050" b="1" i="0" u="none" strike="noStrike" kern="1200" cap="none" spc="0" normalizeH="0" baseline="0" noProof="0" dirty="0">
+                <a:ln>
+                  <a:noFill/>
+                </a:ln>
+                <a:solidFill>
+                  <a:prstClr val="black"/>
+                </a:solidFill>
+                <a:effectLst/>
+                <a:uLnTx/>
+                <a:uFillTx/>
+                <a:latin typeface="+mj-lt"/>
+                <a:ea typeface="+mn-ea"/>
+                <a:cs typeface="Times New Roman" panose="02020603050405020304" pitchFamily="18" charset="0"/>
+              </a:endParaRPr>
+            </a:p>
+            <a:p>
+              <a:endParaRPr lang="en-US" sz="1200" dirty="0">
+                <a:latin typeface="+mj-lt"/>
+                <a:cs typeface="Times New Roman" panose="02020603050405020304" pitchFamily="18" charset="0"/>
+              </a:endParaRPr>
+            </a:p>
+            <a:p>
+              <a:pPr marL="171450" indent="-171450">
+                <a:buFont typeface="Arial" panose="020B0604020202020204" pitchFamily="34" charset="0"/>
+                <a:buChar char="•"/>
+              </a:pPr>
+              <a:endParaRPr lang="en-US" sz="1200" dirty="0">
+                <a:latin typeface="+mj-lt"/>
+                <a:cs typeface="Times New Roman" panose="02020603050405020304" pitchFamily="18" charset="0"/>
+              </a:endParaRPr>
+            </a:p>
+            <a:p>
+              <a:pPr marL="171450" indent="-171450">
+                <a:buFont typeface="Arial" panose="020B0604020202020204" pitchFamily="34" charset="0"/>
+                <a:buChar char="•"/>
+              </a:pPr>
+              <a:endParaRPr lang="en-US" sz="1200" dirty="0">
+                <a:latin typeface="+mj-lt"/>
+                <a:cs typeface="Times New Roman" panose="02020603050405020304" pitchFamily="18" charset="0"/>
+              </a:endParaRPr>
+            </a:p>
+            <a:p>
+              <a:pPr marL="12700" marR="5080">
+                <a:lnSpc>
+                  <a:spcPct val="100000"/>
+                </a:lnSpc>
+                <a:spcBef>
+                  <a:spcPts val="95"/>
+                </a:spcBef>
+              </a:pPr>
+              <a:endParaRPr lang="en-US" sz="1050" b="1" dirty="0">
+                <a:latin typeface="+mj-lt"/>
+                <a:cs typeface="Times New Roman" panose="02020603050405020304" pitchFamily="18" charset="0"/>
+              </a:endParaRPr>
+            </a:p>
+            <a:p>
+              <a:pPr marL="12700" marR="5080">
+                <a:lnSpc>
+                  <a:spcPct val="100000"/>
+                </a:lnSpc>
+                <a:spcBef>
+                  <a:spcPts val="95"/>
+                </a:spcBef>
+              </a:pPr>
+              <a:endParaRPr lang="en-US" sz="1100" b="1" dirty="0">
+                <a:latin typeface="+mj-lt"/>
+                <a:cs typeface="Times New Roman" panose="02020603050405020304" pitchFamily="18" charset="0"/>
+              </a:endParaRPr>
+            </a:p>
+          </p:txBody>
+        </p:sp>
+        <p:sp>
+          <p:nvSpPr>
+            <p:cNvPr id="6" name="TextBox 5">
+              <a:extLst>
+                <a:ext uri="{FF2B5EF4-FFF2-40B4-BE49-F238E27FC236}">
+                  <a16:creationId xmlns:a16="http://schemas.microsoft.com/office/drawing/2014/main" id="{E3BAC1EA-2ABF-287D-2AD5-70F9A3871F7B}"/>
+                </a:ext>
+              </a:extLst>
+            </p:cNvPr>
+            <p:cNvSpPr txBox="1"/>
+            <p:nvPr/>
+          </p:nvSpPr>
+          <p:spPr>
+            <a:xfrm>
+              <a:off x="4948288" y="6238890"/>
+              <a:ext cx="1631513" cy="400110"/>
+            </a:xfrm>
+            <a:prstGeom prst="rect">
+              <a:avLst/>
+            </a:prstGeom>
+            <a:noFill/>
+          </p:spPr>
+          <p:txBody>
+            <a:bodyPr wrap="square" rtlCol="0">
+              <a:spAutoFit/>
+            </a:bodyPr>
+            <a:lstStyle/>
+            <a:p>
+              <a:pPr algn="ctr"/>
+              <a:r>
+                <a:rPr lang="en-US" sz="1000" i="1" dirty="0">
+                  <a:latin typeface="+mj-lt"/>
+                  <a:cs typeface="Times New Roman" panose="02020603050405020304" pitchFamily="18" charset="0"/>
+                </a:rPr>
+                <a:t>Tucson, AZ</a:t>
+              </a:r>
+            </a:p>
+            <a:p>
+              <a:pPr algn="ctr"/>
+              <a:r>
+                <a:rPr lang="en-US" sz="1000" i="1" dirty="0">
+                  <a:latin typeface="+mj-lt"/>
+                  <a:cs typeface="Times New Roman" panose="02020603050405020304" pitchFamily="18" charset="0"/>
+                </a:rPr>
+                <a:t>May 2021 – May 2023</a:t>
+              </a:r>
+            </a:p>
+          </p:txBody>
+        </p:sp>
+        <p:sp>
+          <p:nvSpPr>
+            <p:cNvPr id="26" name="TextBox 25">
+              <a:extLst>
+                <a:ext uri="{FF2B5EF4-FFF2-40B4-BE49-F238E27FC236}">
+                  <a16:creationId xmlns:a16="http://schemas.microsoft.com/office/drawing/2014/main" id="{B7C89DC2-68E7-8910-5B3E-3D2F987D9814}"/>
+                </a:ext>
+              </a:extLst>
+            </p:cNvPr>
+            <p:cNvSpPr txBox="1"/>
+            <p:nvPr/>
+          </p:nvSpPr>
+          <p:spPr>
+            <a:xfrm>
+              <a:off x="4989324" y="3372415"/>
+              <a:ext cx="1631513" cy="400110"/>
+            </a:xfrm>
+            <a:prstGeom prst="rect">
+              <a:avLst/>
+            </a:prstGeom>
+            <a:noFill/>
+          </p:spPr>
+          <p:txBody>
+            <a:bodyPr wrap="square" rtlCol="0">
+              <a:spAutoFit/>
+            </a:bodyPr>
+            <a:lstStyle/>
+            <a:p>
+              <a:pPr algn="ctr"/>
+              <a:r>
+                <a:rPr lang="en-US" sz="1000" i="1" dirty="0">
+                  <a:latin typeface="+mj-lt"/>
+                  <a:cs typeface="Times New Roman" panose="02020603050405020304" pitchFamily="18" charset="0"/>
+                </a:rPr>
+                <a:t>Chandler, AZ</a:t>
+              </a:r>
+            </a:p>
+            <a:p>
+              <a:pPr algn="ctr"/>
+              <a:r>
+                <a:rPr lang="en-US" sz="1000" i="1" dirty="0">
+                  <a:latin typeface="+mj-lt"/>
+                  <a:cs typeface="Times New Roman" panose="02020603050405020304" pitchFamily="18" charset="0"/>
+                </a:rPr>
+                <a:t>June 2023 – Present</a:t>
+              </a:r>
+            </a:p>
+          </p:txBody>
+        </p:sp>
         <p:grpSp>
           <p:nvGrpSpPr>
-            <p:cNvPr id="51" name="Group 50">
+            <p:cNvPr id="30" name="Group 29">
               <a:extLst>
                 <a:ext uri="{FF2B5EF4-FFF2-40B4-BE49-F238E27FC236}">
-                  <a16:creationId xmlns:a16="http://schemas.microsoft.com/office/drawing/2014/main" id="{76FF8BBA-7668-9A85-735D-F41BA279D885}"/>
+                  <a16:creationId xmlns:a16="http://schemas.microsoft.com/office/drawing/2014/main" id="{39325C4C-E210-7FBB-E1F4-1EBC10F337F6}"/>
                 </a:ext>
               </a:extLst>
             </p:cNvPr>
@@ -1963,18 +2651,18 @@
           </p:nvGrpSpPr>
           <p:grpSpPr>
             <a:xfrm>
-              <a:off x="411055" y="2172607"/>
-              <a:ext cx="6393686" cy="870047"/>
-              <a:chOff x="389735" y="1173763"/>
-              <a:chExt cx="6400798" cy="870047"/>
+              <a:off x="411055" y="3024435"/>
+              <a:ext cx="6006924" cy="307777"/>
+              <a:chOff x="272871" y="2970791"/>
+              <a:chExt cx="6006924" cy="307777"/>
             </a:xfrm>
           </p:grpSpPr>
           <p:sp>
             <p:nvSpPr>
-              <p:cNvPr id="10" name="TextBox 9">
+              <p:cNvPr id="24" name="TextBox 23">
                 <a:extLst>
                   <a:ext uri="{FF2B5EF4-FFF2-40B4-BE49-F238E27FC236}">
-                    <a16:creationId xmlns:a16="http://schemas.microsoft.com/office/drawing/2014/main" id="{F9D0BB2A-8DD7-51D4-370E-CC94940745A0}"/>
+                    <a16:creationId xmlns:a16="http://schemas.microsoft.com/office/drawing/2014/main" id="{B98B2A66-C9C4-DF0C-4BBD-E2BDFBABB4FB}"/>
                   </a:ext>
                 </a:extLst>
               </p:cNvPr>
@@ -1983,8 +2671,8 @@
             </p:nvSpPr>
             <p:spPr>
               <a:xfrm>
-                <a:off x="396847" y="1173763"/>
-                <a:ext cx="1447800" cy="307777"/>
+                <a:off x="272871" y="2970791"/>
+                <a:ext cx="4403753" cy="307777"/>
               </a:xfrm>
               <a:prstGeom prst="rect">
                 <a:avLst/>
@@ -1999,13 +2687,13 @@
               <a:p>
                 <a:r>
                   <a:rPr lang="en-US" sz="1400" b="1" dirty="0">
-                    <a:latin typeface="Times New Roman" panose="02020603050405020304" pitchFamily="18" charset="0"/>
+                    <a:latin typeface="+mj-lt"/>
                     <a:cs typeface="Times New Roman" panose="02020603050405020304" pitchFamily="18" charset="0"/>
                   </a:rPr>
-                  <a:t>Education</a:t>
+                  <a:t>PROFESSIONAL EXPERIENCE</a:t>
                 </a:r>
                 <a:endParaRPr lang="en-US" sz="1600" b="1" dirty="0">
-                  <a:latin typeface="Times New Roman" panose="02020603050405020304" pitchFamily="18" charset="0"/>
+                  <a:latin typeface="+mj-lt"/>
                   <a:cs typeface="Times New Roman" panose="02020603050405020304" pitchFamily="18" charset="0"/>
                 </a:endParaRPr>
               </a:p>
@@ -2013,10 +2701,10 @@
           </p:sp>
           <p:cxnSp>
             <p:nvCxnSpPr>
-              <p:cNvPr id="14" name="Straight Connector 13">
+              <p:cNvPr id="34" name="Straight Connector 33">
                 <a:extLst>
                   <a:ext uri="{FF2B5EF4-FFF2-40B4-BE49-F238E27FC236}">
-                    <a16:creationId xmlns:a16="http://schemas.microsoft.com/office/drawing/2014/main" id="{D17F0D35-48E7-8979-D687-794953B357EC}"/>
+                    <a16:creationId xmlns:a16="http://schemas.microsoft.com/office/drawing/2014/main" id="{5FE7C6A4-6F4C-F89A-62F0-27061895AFB3}"/>
                   </a:ext>
                 </a:extLst>
               </p:cNvPr>
@@ -2027,7 +2715,7 @@
             </p:nvCxnSpPr>
             <p:spPr>
               <a:xfrm flipV="1">
-                <a:off x="469900" y="1411234"/>
+                <a:off x="342545" y="3264260"/>
                 <a:ext cx="5937250" cy="1777"/>
               </a:xfrm>
               <a:prstGeom prst="line">
@@ -2054,1091 +2742,6 @@
               </a:fontRef>
             </p:style>
           </p:cxnSp>
-          <p:sp>
-            <p:nvSpPr>
-              <p:cNvPr id="19" name="TextBox 18">
-                <a:extLst>
-                  <a:ext uri="{FF2B5EF4-FFF2-40B4-BE49-F238E27FC236}">
-                    <a16:creationId xmlns:a16="http://schemas.microsoft.com/office/drawing/2014/main" id="{B36CFA63-257F-CA91-BA37-761D5145E7A9}"/>
-                  </a:ext>
-                </a:extLst>
-              </p:cNvPr>
-              <p:cNvSpPr txBox="1"/>
-              <p:nvPr/>
-            </p:nvSpPr>
-            <p:spPr>
-              <a:xfrm>
-                <a:off x="389735" y="1384655"/>
-                <a:ext cx="6400798" cy="659155"/>
-              </a:xfrm>
-              <a:prstGeom prst="rect">
-                <a:avLst/>
-              </a:prstGeom>
-              <a:noFill/>
-            </p:spPr>
-            <p:txBody>
-              <a:bodyPr wrap="square">
-                <a:spAutoFit/>
-              </a:bodyPr>
-              <a:lstStyle/>
-              <a:p>
-                <a:pPr marL="12700">
-                  <a:lnSpc>
-                    <a:spcPct val="100000"/>
-                  </a:lnSpc>
-                  <a:spcBef>
-                    <a:spcPts val="95"/>
-                  </a:spcBef>
-                </a:pPr>
-                <a:r>
-                  <a:rPr lang="en-US" sz="1200" b="1" spc="-5" dirty="0">
-                    <a:latin typeface="Times New Roman" panose="02020603050405020304" pitchFamily="18" charset="0"/>
-                    <a:cs typeface="Times New Roman" panose="02020603050405020304" pitchFamily="18" charset="0"/>
-                  </a:rPr>
-                  <a:t>The University </a:t>
-                </a:r>
-                <a:r>
-                  <a:rPr lang="en-US" sz="1200" b="1" dirty="0">
-                    <a:latin typeface="Times New Roman" panose="02020603050405020304" pitchFamily="18" charset="0"/>
-                    <a:cs typeface="Times New Roman" panose="02020603050405020304" pitchFamily="18" charset="0"/>
-                  </a:rPr>
-                  <a:t>of </a:t>
-                </a:r>
-                <a:r>
-                  <a:rPr lang="en-US" sz="1200" b="1" spc="-5" dirty="0">
-                    <a:latin typeface="Times New Roman" panose="02020603050405020304" pitchFamily="18" charset="0"/>
-                    <a:cs typeface="Times New Roman" panose="02020603050405020304" pitchFamily="18" charset="0"/>
-                  </a:rPr>
-                  <a:t>Arizona – W.A. Franke Honors College</a:t>
-                </a:r>
-              </a:p>
-              <a:p>
-                <a:pPr marL="12700">
-                  <a:lnSpc>
-                    <a:spcPct val="100000"/>
-                  </a:lnSpc>
-                  <a:spcBef>
-                    <a:spcPts val="95"/>
-                  </a:spcBef>
-                </a:pPr>
-                <a:r>
-                  <a:rPr lang="en-US" sz="1200" i="1" spc="-5" dirty="0">
-                    <a:latin typeface="Times New Roman" panose="02020603050405020304" pitchFamily="18" charset="0"/>
-                    <a:cs typeface="Times New Roman" panose="02020603050405020304" pitchFamily="18" charset="0"/>
-                  </a:rPr>
-                  <a:t>B.S. - Electrical Engineering and </a:t>
-                </a:r>
-                <a:r>
-                  <a:rPr lang="en-US" sz="1200" i="1" spc="-10" dirty="0">
-                    <a:latin typeface="Times New Roman" panose="02020603050405020304" pitchFamily="18" charset="0"/>
-                    <a:cs typeface="Times New Roman" panose="02020603050405020304" pitchFamily="18" charset="0"/>
-                  </a:rPr>
-                  <a:t>Computer Engineering</a:t>
-                </a:r>
-              </a:p>
-              <a:p>
-                <a:pPr marL="12700">
-                  <a:lnSpc>
-                    <a:spcPct val="100000"/>
-                  </a:lnSpc>
-                </a:pPr>
-                <a:r>
-                  <a:rPr lang="en-US" sz="1200" i="1" spc="-10" dirty="0">
-                    <a:latin typeface="Times New Roman" panose="02020603050405020304" pitchFamily="18" charset="0"/>
-                    <a:cs typeface="Times New Roman" panose="02020603050405020304" pitchFamily="18" charset="0"/>
-                  </a:rPr>
-                  <a:t>Minor - Mathematics</a:t>
-                </a:r>
-              </a:p>
-            </p:txBody>
-          </p:sp>
-          <p:sp>
-            <p:nvSpPr>
-              <p:cNvPr id="46" name="TextBox 45">
-                <a:extLst>
-                  <a:ext uri="{FF2B5EF4-FFF2-40B4-BE49-F238E27FC236}">
-                    <a16:creationId xmlns:a16="http://schemas.microsoft.com/office/drawing/2014/main" id="{9C9787FC-55EF-D7B1-C589-DF79261B966B}"/>
-                  </a:ext>
-                </a:extLst>
-              </p:cNvPr>
-              <p:cNvSpPr txBox="1"/>
-              <p:nvPr/>
-            </p:nvSpPr>
-            <p:spPr>
-              <a:xfrm>
-                <a:off x="4897868" y="1408728"/>
-                <a:ext cx="1715486" cy="430887"/>
-              </a:xfrm>
-              <a:prstGeom prst="rect">
-                <a:avLst/>
-              </a:prstGeom>
-              <a:noFill/>
-            </p:spPr>
-            <p:txBody>
-              <a:bodyPr wrap="square" rtlCol="0">
-                <a:spAutoFit/>
-              </a:bodyPr>
-              <a:lstStyle/>
-              <a:p>
-                <a:pPr algn="ctr"/>
-                <a:r>
-                  <a:rPr lang="en-US" sz="1100" dirty="0">
-                    <a:latin typeface="Times New Roman" panose="02020603050405020304" pitchFamily="18" charset="0"/>
-                    <a:cs typeface="Times New Roman" panose="02020603050405020304" pitchFamily="18" charset="0"/>
-                  </a:rPr>
-                  <a:t>May 2023</a:t>
-                </a:r>
-              </a:p>
-              <a:p>
-                <a:pPr algn="ctr"/>
-                <a:r>
-                  <a:rPr lang="en-US" sz="1100" dirty="0">
-                    <a:latin typeface="Times New Roman" panose="02020603050405020304" pitchFamily="18" charset="0"/>
-                    <a:cs typeface="Times New Roman" panose="02020603050405020304" pitchFamily="18" charset="0"/>
-                  </a:rPr>
-                  <a:t>GPA: 3.53</a:t>
-                </a:r>
-              </a:p>
-            </p:txBody>
-          </p:sp>
-        </p:grpSp>
-        <p:grpSp>
-          <p:nvGrpSpPr>
-            <p:cNvPr id="36" name="Group 35">
-              <a:extLst>
-                <a:ext uri="{FF2B5EF4-FFF2-40B4-BE49-F238E27FC236}">
-                  <a16:creationId xmlns:a16="http://schemas.microsoft.com/office/drawing/2014/main" id="{7874397A-8027-DFA4-8C9C-2CA4FD5A7E4C}"/>
-                </a:ext>
-              </a:extLst>
-            </p:cNvPr>
-            <p:cNvGrpSpPr/>
-            <p:nvPr/>
-          </p:nvGrpSpPr>
-          <p:grpSpPr>
-            <a:xfrm>
-              <a:off x="394324" y="2954713"/>
-              <a:ext cx="6315865" cy="5267074"/>
-              <a:chOff x="394324" y="3050276"/>
-              <a:chExt cx="6315865" cy="5267074"/>
-            </a:xfrm>
-          </p:grpSpPr>
-          <p:grpSp>
-            <p:nvGrpSpPr>
-              <p:cNvPr id="28" name="Group 27">
-                <a:extLst>
-                  <a:ext uri="{FF2B5EF4-FFF2-40B4-BE49-F238E27FC236}">
-                    <a16:creationId xmlns:a16="http://schemas.microsoft.com/office/drawing/2014/main" id="{9AE4277D-8BEA-FAF9-4E78-19FD8EBCC5CF}"/>
-                  </a:ext>
-                </a:extLst>
-              </p:cNvPr>
-              <p:cNvGrpSpPr/>
-              <p:nvPr/>
-            </p:nvGrpSpPr>
-            <p:grpSpPr>
-              <a:xfrm>
-                <a:off x="394324" y="3314999"/>
-                <a:ext cx="6315865" cy="5002351"/>
-                <a:chOff x="394324" y="3210990"/>
-                <a:chExt cx="6315865" cy="5002351"/>
-              </a:xfrm>
-            </p:grpSpPr>
-            <p:grpSp>
-              <p:nvGrpSpPr>
-                <p:cNvPr id="27" name="Group 26">
-                  <a:extLst>
-                    <a:ext uri="{FF2B5EF4-FFF2-40B4-BE49-F238E27FC236}">
-                      <a16:creationId xmlns:a16="http://schemas.microsoft.com/office/drawing/2014/main" id="{20D3197D-6B86-FF3E-ADE6-43D70AEB00E1}"/>
-                    </a:ext>
-                  </a:extLst>
-                </p:cNvPr>
-                <p:cNvGrpSpPr/>
-                <p:nvPr/>
-              </p:nvGrpSpPr>
-              <p:grpSpPr>
-                <a:xfrm>
-                  <a:off x="394324" y="3210990"/>
-                  <a:ext cx="6315865" cy="5002351"/>
-                  <a:chOff x="394324" y="3210990"/>
-                  <a:chExt cx="6315865" cy="5002351"/>
-                </a:xfrm>
-              </p:grpSpPr>
-              <p:grpSp>
-                <p:nvGrpSpPr>
-                  <p:cNvPr id="16" name="Group 15">
-                    <a:extLst>
-                      <a:ext uri="{FF2B5EF4-FFF2-40B4-BE49-F238E27FC236}">
-                        <a16:creationId xmlns:a16="http://schemas.microsoft.com/office/drawing/2014/main" id="{5840AA1A-23AC-A1E6-D2A6-2FD335E7078C}"/>
-                      </a:ext>
-                    </a:extLst>
-                  </p:cNvPr>
-                  <p:cNvGrpSpPr/>
-                  <p:nvPr/>
-                </p:nvGrpSpPr>
-                <p:grpSpPr>
-                  <a:xfrm>
-                    <a:off x="394324" y="3212092"/>
-                    <a:ext cx="6315865" cy="5001249"/>
-                    <a:chOff x="373011" y="2179305"/>
-                    <a:chExt cx="6315865" cy="5001249"/>
-                  </a:xfrm>
-                </p:grpSpPr>
-                <p:sp>
-                  <p:nvSpPr>
-                    <p:cNvPr id="35" name="object 11">
-                      <a:extLst>
-                        <a:ext uri="{FF2B5EF4-FFF2-40B4-BE49-F238E27FC236}">
-                          <a16:creationId xmlns:a16="http://schemas.microsoft.com/office/drawing/2014/main" id="{B58EADCE-FE40-5236-8850-4E388D4DDB2F}"/>
-                        </a:ext>
-                      </a:extLst>
-                    </p:cNvPr>
-                    <p:cNvSpPr txBox="1"/>
-                    <p:nvPr/>
-                  </p:nvSpPr>
-                  <p:spPr>
-                    <a:xfrm>
-                      <a:off x="478280" y="2179305"/>
-                      <a:ext cx="5937250" cy="4536498"/>
-                    </a:xfrm>
-                    <a:prstGeom prst="rect">
-                      <a:avLst/>
-                    </a:prstGeom>
-                  </p:spPr>
-                  <p:txBody>
-                    <a:bodyPr vert="horz" wrap="square" lIns="0" tIns="12065" rIns="0" bIns="0" rtlCol="0">
-                      <a:spAutoFit/>
-                    </a:bodyPr>
-                    <a:lstStyle/>
-                    <a:p>
-                      <a:pPr marL="12700" marR="5080">
-                        <a:lnSpc>
-                          <a:spcPct val="100000"/>
-                        </a:lnSpc>
-                        <a:spcBef>
-                          <a:spcPts val="95"/>
-                        </a:spcBef>
-                      </a:pPr>
-                      <a:r>
-                        <a:rPr lang="en-US" sz="1200" b="1" dirty="0">
-                          <a:latin typeface="Times New Roman" panose="02020603050405020304" pitchFamily="18" charset="0"/>
-                          <a:cs typeface="Times New Roman" panose="02020603050405020304" pitchFamily="18" charset="0"/>
-                        </a:rPr>
-                        <a:t>Hardware Computer/Reliability Engineer</a:t>
-                      </a:r>
-                    </a:p>
-                    <a:p>
-                      <a:pPr marL="12700" marR="5080">
-                        <a:lnSpc>
-                          <a:spcPct val="100000"/>
-                        </a:lnSpc>
-                        <a:spcBef>
-                          <a:spcPts val="95"/>
-                        </a:spcBef>
-                      </a:pPr>
-                      <a:r>
-                        <a:rPr lang="en-US" sz="1050" b="1" dirty="0">
-                          <a:latin typeface="Times New Roman" panose="02020603050405020304" pitchFamily="18" charset="0"/>
-                          <a:cs typeface="Times New Roman" panose="02020603050405020304" pitchFamily="18" charset="0"/>
-                        </a:rPr>
-                        <a:t>Microchip Technology Inc.</a:t>
-                      </a:r>
-                    </a:p>
-                    <a:p>
-                      <a:pPr marL="171450" indent="-171450">
-                        <a:buFont typeface="Arial" panose="020B0604020202020204" pitchFamily="34" charset="0"/>
-                        <a:buChar char="•"/>
-                      </a:pPr>
-                      <a:r>
-                        <a:rPr lang="en-US" sz="1100" dirty="0">
-                          <a:latin typeface="Times New Roman" panose="02020603050405020304" pitchFamily="18" charset="0"/>
-                          <a:cs typeface="Times New Roman" panose="02020603050405020304" pitchFamily="18" charset="0"/>
-                        </a:rPr>
-                        <a:t>Developed a Python automation script to parse and calculate MTBFIT data from quarterly Reliability Monitoring Reports: featuring directory file selection, precise data separation and requisition, streamlined JSON conversion for efficient storage, and automatic file creation timestamping. </a:t>
-                      </a:r>
-                    </a:p>
-                    <a:p>
-                      <a:pPr marL="171450" indent="-171450">
-                        <a:buFont typeface="Arial" panose="020B0604020202020204" pitchFamily="34" charset="0"/>
-                        <a:buChar char="•"/>
-                      </a:pPr>
-                      <a:r>
-                        <a:rPr lang="en-US" sz="1100" dirty="0">
-                          <a:latin typeface="Times New Roman" panose="02020603050405020304" pitchFamily="18" charset="0"/>
-                          <a:cs typeface="Times New Roman" panose="02020603050405020304" pitchFamily="18" charset="0"/>
-                        </a:rPr>
-                        <a:t>Managed advanced technologies: ELES Smart, ELES TTS1, MCC-LC2, and AEHR Max2/Max3 ovens, enhancing operational performance.</a:t>
-                      </a:r>
-                    </a:p>
-                    <a:p>
-                      <a:pPr marL="171450" indent="-171450">
-                        <a:buFont typeface="Arial" panose="020B0604020202020204" pitchFamily="34" charset="0"/>
-                        <a:buChar char="•"/>
-                      </a:pPr>
-                      <a:r>
-                        <a:rPr lang="en-US" sz="1100" dirty="0">
-                          <a:latin typeface="Times New Roman" panose="02020603050405020304" pitchFamily="18" charset="0"/>
-                          <a:cs typeface="Times New Roman" panose="02020603050405020304" pitchFamily="18" charset="0"/>
-                        </a:rPr>
-                        <a:t>Led reliability testing for 5 product lines, ensuring robust quality standards with tests like DLT and HAST.</a:t>
-                      </a:r>
-                    </a:p>
-                    <a:p>
-                      <a:pPr marL="171450" indent="-171450">
-                        <a:buFont typeface="Arial" panose="020B0604020202020204" pitchFamily="34" charset="0"/>
-                        <a:buChar char="•"/>
-                      </a:pPr>
-                      <a:r>
-                        <a:rPr lang="en-US" sz="1100" dirty="0">
-                          <a:latin typeface="Times New Roman" panose="02020603050405020304" pitchFamily="18" charset="0"/>
-                          <a:cs typeface="Times New Roman" panose="02020603050405020304" pitchFamily="18" charset="0"/>
-                        </a:rPr>
-                        <a:t>Researched and submitted 30+ Burn-In Spec product qualification reports, demonstrating meticulous attention to detail.</a:t>
-                      </a:r>
-                    </a:p>
-                    <a:p>
-                      <a:pPr marL="171450" indent="-171450">
-                        <a:buFont typeface="Arial" panose="020B0604020202020204" pitchFamily="34" charset="0"/>
-                        <a:buChar char="•"/>
-                      </a:pPr>
-                      <a:r>
-                        <a:rPr lang="en-US" sz="1100" dirty="0">
-                          <a:latin typeface="Times New Roman" panose="02020603050405020304" pitchFamily="18" charset="0"/>
-                          <a:cs typeface="Times New Roman" panose="02020603050405020304" pitchFamily="18" charset="0"/>
-                        </a:rPr>
-                        <a:t>Created an AEHR to MCC-LC2 burn-in program conversion, improving workflow efficiency and cross-platform compatibility.</a:t>
-                      </a:r>
-                    </a:p>
-                    <a:p>
-                      <a:pPr marL="12700" marR="5080" lvl="0" indent="0" algn="l" defTabSz="914400" rtl="0" eaLnBrk="1" fontAlgn="auto" latinLnBrk="0" hangingPunct="1">
-                        <a:lnSpc>
-                          <a:spcPct val="100000"/>
-                        </a:lnSpc>
-                        <a:spcBef>
-                          <a:spcPts val="95"/>
-                        </a:spcBef>
-                        <a:spcAft>
-                          <a:spcPts val="0"/>
-                        </a:spcAft>
-                        <a:buClrTx/>
-                        <a:buSzTx/>
-                        <a:buFontTx/>
-                        <a:buNone/>
-                        <a:tabLst/>
-                        <a:defRPr/>
-                      </a:pPr>
-                      <a:r>
-                        <a:rPr kumimoji="0" lang="en-US" sz="1200" b="1" i="0" u="none" strike="noStrike" kern="1200" cap="none" spc="0" normalizeH="0" baseline="0" noProof="0" dirty="0">
-                          <a:ln>
-                            <a:noFill/>
-                          </a:ln>
-                          <a:solidFill>
-                            <a:prstClr val="black"/>
-                          </a:solidFill>
-                          <a:effectLst/>
-                          <a:uLnTx/>
-                          <a:uFillTx/>
-                          <a:latin typeface="Times New Roman" panose="02020603050405020304" pitchFamily="18" charset="0"/>
-                          <a:ea typeface="+mn-ea"/>
-                          <a:cs typeface="Times New Roman" panose="02020603050405020304" pitchFamily="18" charset="0"/>
-                        </a:rPr>
-                        <a:t>Software Engineering Intern</a:t>
-                      </a:r>
-                    </a:p>
-                    <a:p>
-                      <a:pPr marL="12700" marR="5080" lvl="0" indent="0" algn="l" defTabSz="914400" rtl="0" eaLnBrk="1" fontAlgn="auto" latinLnBrk="0" hangingPunct="1">
-                        <a:lnSpc>
-                          <a:spcPct val="100000"/>
-                        </a:lnSpc>
-                        <a:spcBef>
-                          <a:spcPts val="95"/>
-                        </a:spcBef>
-                        <a:spcAft>
-                          <a:spcPts val="0"/>
-                        </a:spcAft>
-                        <a:buClrTx/>
-                        <a:buSzTx/>
-                        <a:buFontTx/>
-                        <a:buNone/>
-                        <a:tabLst/>
-                        <a:defRPr/>
-                      </a:pPr>
-                      <a:r>
-                        <a:rPr lang="en-US" sz="1050" b="1" dirty="0">
-                          <a:solidFill>
-                            <a:prstClr val="black"/>
-                          </a:solidFill>
-                          <a:latin typeface="Times New Roman" panose="02020603050405020304" pitchFamily="18" charset="0"/>
-                          <a:cs typeface="Times New Roman" panose="02020603050405020304" pitchFamily="18" charset="0"/>
-                        </a:rPr>
-                        <a:t>IBM Corporation</a:t>
-                      </a:r>
-                    </a:p>
-                    <a:p>
-                      <a:pPr marL="171450" indent="-171450">
-                        <a:buFont typeface="Arial" panose="020B0604020202020204" pitchFamily="34" charset="0"/>
-                        <a:buChar char="•"/>
-                      </a:pPr>
-                      <a:r>
-                        <a:rPr lang="en-US" sz="1100" dirty="0">
-                          <a:latin typeface="Times New Roman" panose="02020603050405020304" pitchFamily="18" charset="0"/>
-                          <a:cs typeface="Times New Roman" panose="02020603050405020304" pitchFamily="18" charset="0"/>
-                        </a:rPr>
-                        <a:t>Developed diagnostic health evaluation script deployed to over 4000 XIV/A9000/R. flash storage systems to identify potential failing BBU power supplies.</a:t>
-                      </a:r>
-                    </a:p>
-                    <a:p>
-                      <a:pPr marL="171450" indent="-171450">
-                        <a:buFont typeface="Arial" panose="020B0604020202020204" pitchFamily="34" charset="0"/>
-                        <a:buChar char="•"/>
-                      </a:pPr>
-                      <a:r>
-                        <a:rPr lang="en-US" sz="1100" dirty="0">
-                          <a:latin typeface="Times New Roman" panose="02020603050405020304" pitchFamily="18" charset="0"/>
-                          <a:cs typeface="Times New Roman" panose="02020603050405020304" pitchFamily="18" charset="0"/>
-                        </a:rPr>
-                        <a:t>Implemented Linux script which negated the need for physical BBU power supply replacement for over 10,000 servers worldwide.</a:t>
-                      </a:r>
-                    </a:p>
-                    <a:p>
-                      <a:pPr marL="171450" indent="-171450">
-                        <a:buFont typeface="Arial" panose="020B0604020202020204" pitchFamily="34" charset="0"/>
-                        <a:buChar char="•"/>
-                      </a:pPr>
-                      <a:r>
-                        <a:rPr lang="en-US" sz="1100" dirty="0">
-                          <a:latin typeface="Times New Roman" panose="02020603050405020304" pitchFamily="18" charset="0"/>
-                          <a:cs typeface="Times New Roman" panose="02020603050405020304" pitchFamily="18" charset="0"/>
-                        </a:rPr>
-                        <a:t>Diagnosed technical issues related to the XIV/A9000/R flash storage system server.</a:t>
-                      </a:r>
-                    </a:p>
-                    <a:p>
-                      <a:pPr marL="12700" marR="5080" lvl="0" indent="0" algn="l" defTabSz="914400" rtl="0" eaLnBrk="1" fontAlgn="auto" latinLnBrk="0" hangingPunct="1">
-                        <a:lnSpc>
-                          <a:spcPct val="100000"/>
-                        </a:lnSpc>
-                        <a:spcBef>
-                          <a:spcPts val="95"/>
-                        </a:spcBef>
-                        <a:spcAft>
-                          <a:spcPts val="0"/>
-                        </a:spcAft>
-                        <a:buClrTx/>
-                        <a:buSzTx/>
-                        <a:buFontTx/>
-                        <a:buNone/>
-                        <a:tabLst/>
-                        <a:defRPr/>
-                      </a:pPr>
-                      <a:endParaRPr kumimoji="0" lang="en-US" sz="1050" b="1" i="0" u="none" strike="noStrike" kern="1200" cap="none" spc="0" normalizeH="0" baseline="0" noProof="0" dirty="0">
-                        <a:ln>
-                          <a:noFill/>
-                        </a:ln>
-                        <a:solidFill>
-                          <a:prstClr val="black"/>
-                        </a:solidFill>
-                        <a:effectLst/>
-                        <a:uLnTx/>
-                        <a:uFillTx/>
-                        <a:latin typeface="Times New Roman" panose="02020603050405020304" pitchFamily="18" charset="0"/>
-                        <a:ea typeface="+mn-ea"/>
-                        <a:cs typeface="Times New Roman" panose="02020603050405020304" pitchFamily="18" charset="0"/>
-                      </a:endParaRPr>
-                    </a:p>
-                    <a:p>
-                      <a:endParaRPr lang="en-US" sz="1200" dirty="0">
-                        <a:latin typeface="Times New Roman" panose="02020603050405020304" pitchFamily="18" charset="0"/>
-                        <a:cs typeface="Times New Roman" panose="02020603050405020304" pitchFamily="18" charset="0"/>
-                      </a:endParaRPr>
-                    </a:p>
-                    <a:p>
-                      <a:pPr marL="171450" indent="-171450">
-                        <a:buFont typeface="Arial" panose="020B0604020202020204" pitchFamily="34" charset="0"/>
-                        <a:buChar char="•"/>
-                      </a:pPr>
-                      <a:endParaRPr lang="en-US" sz="1200" dirty="0">
-                        <a:latin typeface="Times New Roman" panose="02020603050405020304" pitchFamily="18" charset="0"/>
-                        <a:cs typeface="Times New Roman" panose="02020603050405020304" pitchFamily="18" charset="0"/>
-                      </a:endParaRPr>
-                    </a:p>
-                    <a:p>
-                      <a:pPr marL="171450" indent="-171450">
-                        <a:buFont typeface="Arial" panose="020B0604020202020204" pitchFamily="34" charset="0"/>
-                        <a:buChar char="•"/>
-                      </a:pPr>
-                      <a:endParaRPr lang="en-US" sz="1200" dirty="0">
-                        <a:latin typeface="Times New Roman" panose="02020603050405020304" pitchFamily="18" charset="0"/>
-                        <a:cs typeface="Times New Roman" panose="02020603050405020304" pitchFamily="18" charset="0"/>
-                      </a:endParaRPr>
-                    </a:p>
-                    <a:p>
-                      <a:pPr marL="12700" marR="5080">
-                        <a:lnSpc>
-                          <a:spcPct val="100000"/>
-                        </a:lnSpc>
-                        <a:spcBef>
-                          <a:spcPts val="95"/>
-                        </a:spcBef>
-                      </a:pPr>
-                      <a:endParaRPr lang="en-US" sz="1050" b="1" dirty="0">
-                        <a:latin typeface="Times New Roman" panose="02020603050405020304" pitchFamily="18" charset="0"/>
-                        <a:cs typeface="Times New Roman" panose="02020603050405020304" pitchFamily="18" charset="0"/>
-                      </a:endParaRPr>
-                    </a:p>
-                    <a:p>
-                      <a:pPr marL="12700" marR="5080">
-                        <a:lnSpc>
-                          <a:spcPct val="100000"/>
-                        </a:lnSpc>
-                        <a:spcBef>
-                          <a:spcPts val="95"/>
-                        </a:spcBef>
-                      </a:pPr>
-                      <a:endParaRPr lang="en-US" sz="1100" b="1" dirty="0">
-                        <a:latin typeface="Times New Roman" panose="02020603050405020304" pitchFamily="18" charset="0"/>
-                        <a:cs typeface="Times New Roman" panose="02020603050405020304" pitchFamily="18" charset="0"/>
-                      </a:endParaRPr>
-                    </a:p>
-                  </p:txBody>
-                </p:sp>
-                <p:grpSp>
-                  <p:nvGrpSpPr>
-                    <p:cNvPr id="12" name="Group 11">
-                      <a:extLst>
-                        <a:ext uri="{FF2B5EF4-FFF2-40B4-BE49-F238E27FC236}">
-                          <a16:creationId xmlns:a16="http://schemas.microsoft.com/office/drawing/2014/main" id="{DCF257FB-8FAD-B100-4972-39D19EC82D42}"/>
-                        </a:ext>
-                      </a:extLst>
-                    </p:cNvPr>
-                    <p:cNvGrpSpPr/>
-                    <p:nvPr/>
-                  </p:nvGrpSpPr>
-                  <p:grpSpPr>
-                    <a:xfrm>
-                      <a:off x="373011" y="5550974"/>
-                      <a:ext cx="6315865" cy="1629580"/>
-                      <a:chOff x="346850" y="4597908"/>
-                      <a:chExt cx="6315865" cy="1629580"/>
-                    </a:xfrm>
-                  </p:grpSpPr>
-                  <p:grpSp>
-                    <p:nvGrpSpPr>
-                      <p:cNvPr id="43" name="Group 42">
-                        <a:extLst>
-                          <a:ext uri="{FF2B5EF4-FFF2-40B4-BE49-F238E27FC236}">
-                            <a16:creationId xmlns:a16="http://schemas.microsoft.com/office/drawing/2014/main" id="{85480E89-096B-64BB-44B6-1CEA5FF9B7F9}"/>
-                          </a:ext>
-                        </a:extLst>
-                      </p:cNvPr>
-                      <p:cNvGrpSpPr/>
-                      <p:nvPr/>
-                    </p:nvGrpSpPr>
-                    <p:grpSpPr>
-                      <a:xfrm>
-                        <a:off x="346850" y="4597908"/>
-                        <a:ext cx="6315865" cy="1629580"/>
-                        <a:chOff x="336693" y="6109651"/>
-                        <a:chExt cx="6315865" cy="1629580"/>
-                      </a:xfrm>
-                    </p:grpSpPr>
-                    <p:cxnSp>
-                      <p:nvCxnSpPr>
-                        <p:cNvPr id="37" name="Straight Connector 36">
-                          <a:extLst>
-                            <a:ext uri="{FF2B5EF4-FFF2-40B4-BE49-F238E27FC236}">
-                              <a16:creationId xmlns:a16="http://schemas.microsoft.com/office/drawing/2014/main" id="{F352AFFF-9F0B-F4AB-470A-4A11F938F516}"/>
-                            </a:ext>
-                          </a:extLst>
-                        </p:cNvPr>
-                        <p:cNvCxnSpPr>
-                          <a:cxnSpLocks/>
-                        </p:cNvCxnSpPr>
-                        <p:nvPr/>
-                      </p:nvCxnSpPr>
-                      <p:spPr>
-                        <a:xfrm flipV="1">
-                          <a:off x="441909" y="6372715"/>
-                          <a:ext cx="5937250" cy="1777"/>
-                        </a:xfrm>
-                        <a:prstGeom prst="line">
-                          <a:avLst/>
-                        </a:prstGeom>
-                        <a:ln>
-                          <a:solidFill>
-                            <a:schemeClr val="tx1"/>
-                          </a:solidFill>
-                        </a:ln>
-                      </p:spPr>
-                      <p:style>
-                        <a:lnRef idx="1">
-                          <a:schemeClr val="accent1"/>
-                        </a:lnRef>
-                        <a:fillRef idx="0">
-                          <a:schemeClr val="accent1"/>
-                        </a:fillRef>
-                        <a:effectRef idx="0">
-                          <a:schemeClr val="accent1"/>
-                        </a:effectRef>
-                        <a:fontRef idx="minor">
-                          <a:schemeClr val="tx1"/>
-                        </a:fontRef>
-                      </p:style>
-                    </p:cxnSp>
-                    <p:sp>
-                      <p:nvSpPr>
-                        <p:cNvPr id="38" name="TextBox 37">
-                          <a:extLst>
-                            <a:ext uri="{FF2B5EF4-FFF2-40B4-BE49-F238E27FC236}">
-                              <a16:creationId xmlns:a16="http://schemas.microsoft.com/office/drawing/2014/main" id="{EEB0DD46-7F97-0052-3F79-B5279C7267EC}"/>
-                            </a:ext>
-                          </a:extLst>
-                        </p:cNvPr>
-                        <p:cNvSpPr txBox="1"/>
-                        <p:nvPr/>
-                      </p:nvSpPr>
-                      <p:spPr>
-                        <a:xfrm>
-                          <a:off x="381789" y="6109651"/>
-                          <a:ext cx="1447800" cy="307777"/>
-                        </a:xfrm>
-                        <a:prstGeom prst="rect">
-                          <a:avLst/>
-                        </a:prstGeom>
-                        <a:noFill/>
-                      </p:spPr>
-                      <p:txBody>
-                        <a:bodyPr wrap="square" rtlCol="0">
-                          <a:spAutoFit/>
-                        </a:bodyPr>
-                        <a:lstStyle/>
-                        <a:p>
-                          <a:r>
-                            <a:rPr lang="en-US" sz="1400" b="1" dirty="0">
-                              <a:latin typeface="Times New Roman" panose="02020603050405020304" pitchFamily="18" charset="0"/>
-                              <a:cs typeface="Times New Roman" panose="02020603050405020304" pitchFamily="18" charset="0"/>
-                            </a:rPr>
-                            <a:t>Projects</a:t>
-                          </a:r>
-                          <a:endParaRPr lang="en-US" sz="1600" b="1" dirty="0">
-                            <a:latin typeface="Times New Roman" panose="02020603050405020304" pitchFamily="18" charset="0"/>
-                            <a:cs typeface="Times New Roman" panose="02020603050405020304" pitchFamily="18" charset="0"/>
-                          </a:endParaRPr>
-                        </a:p>
-                      </p:txBody>
-                    </p:sp>
-                    <p:sp>
-                      <p:nvSpPr>
-                        <p:cNvPr id="40" name="TextBox 39">
-                          <a:extLst>
-                            <a:ext uri="{FF2B5EF4-FFF2-40B4-BE49-F238E27FC236}">
-                              <a16:creationId xmlns:a16="http://schemas.microsoft.com/office/drawing/2014/main" id="{FD97897A-56A2-AC9B-7910-35368B37DA49}"/>
-                            </a:ext>
-                          </a:extLst>
-                        </p:cNvPr>
-                        <p:cNvSpPr txBox="1"/>
-                        <p:nvPr/>
-                      </p:nvSpPr>
-                      <p:spPr>
-                        <a:xfrm>
-                          <a:off x="336693" y="6400403"/>
-                          <a:ext cx="6315865" cy="1338828"/>
-                        </a:xfrm>
-                        <a:prstGeom prst="rect">
-                          <a:avLst/>
-                        </a:prstGeom>
-                        <a:noFill/>
-                      </p:spPr>
-                      <p:txBody>
-                        <a:bodyPr wrap="square">
-                          <a:spAutoFit/>
-                        </a:bodyPr>
-                        <a:lstStyle/>
-                        <a:p>
-                          <a:pPr marL="12700" marR="5080">
-                            <a:spcBef>
-                              <a:spcPts val="95"/>
-                            </a:spcBef>
-                          </a:pPr>
-                          <a:r>
-                            <a:rPr lang="en-US" sz="1100" b="1" dirty="0">
-                              <a:latin typeface="Times New Roman" panose="02020603050405020304" pitchFamily="18" charset="0"/>
-                              <a:cs typeface="Times New Roman" panose="02020603050405020304" pitchFamily="18" charset="0"/>
-                            </a:rPr>
-                            <a:t>Senior Design Project - Software and Hardware Design Team Lead</a:t>
-                          </a:r>
-                        </a:p>
-                        <a:p>
-                          <a:pPr marL="12700" marR="5080">
-                            <a:spcBef>
-                              <a:spcPts val="95"/>
-                            </a:spcBef>
-                          </a:pPr>
-                          <a:r>
-                            <a:rPr lang="en-US" sz="1000" b="1" dirty="0">
-                              <a:latin typeface="Times New Roman" panose="02020603050405020304" pitchFamily="18" charset="0"/>
-                              <a:cs typeface="Times New Roman" panose="02020603050405020304" pitchFamily="18" charset="0"/>
-                            </a:rPr>
-                            <a:t>University of Arizona &amp; Microsoft Corporation</a:t>
-                          </a:r>
-                          <a:endParaRPr lang="en-US" sz="1100" dirty="0">
-                            <a:latin typeface="Times New Roman" panose="02020603050405020304" pitchFamily="18" charset="0"/>
-                            <a:cs typeface="Times New Roman" panose="02020603050405020304" pitchFamily="18" charset="0"/>
-                          </a:endParaRPr>
-                        </a:p>
-                        <a:p>
-                          <a:pPr marL="184150" marR="5080" indent="-171450">
-                            <a:lnSpc>
-                              <a:spcPct val="100000"/>
-                            </a:lnSpc>
-                            <a:spcBef>
-                              <a:spcPts val="95"/>
-                            </a:spcBef>
-                            <a:buFont typeface="Arial" panose="020B0604020202020204" pitchFamily="34" charset="0"/>
-                            <a:buChar char="•"/>
-                          </a:pPr>
-                          <a:r>
-                            <a:rPr lang="en-US" sz="1100" dirty="0">
-                              <a:latin typeface="Times New Roman" panose="02020603050405020304" pitchFamily="18" charset="0"/>
-                              <a:cs typeface="Times New Roman" panose="02020603050405020304" pitchFamily="18" charset="0"/>
-                            </a:rPr>
-                            <a:t>Prototyped and constructed a Two-Phase Immersion Cooling server for Microsoft using FC-72 Fluorinert. </a:t>
-                          </a:r>
-                        </a:p>
-                        <a:p>
-                          <a:pPr marL="184150" marR="5080" indent="-171450">
-                            <a:lnSpc>
-                              <a:spcPct val="100000"/>
-                            </a:lnSpc>
-                            <a:spcBef>
-                              <a:spcPts val="95"/>
-                            </a:spcBef>
-                            <a:buFont typeface="Arial" panose="020B0604020202020204" pitchFamily="34" charset="0"/>
-                            <a:buChar char="•"/>
-                          </a:pPr>
-                          <a:r>
-                            <a:rPr lang="en-US" sz="1100" dirty="0">
-                              <a:latin typeface="Times New Roman" panose="02020603050405020304" pitchFamily="18" charset="0"/>
-                              <a:cs typeface="Times New Roman" panose="02020603050405020304" pitchFamily="18" charset="0"/>
-                            </a:rPr>
-                            <a:t>Designed and coded a GUI in Python for system and sensor control. </a:t>
-                          </a:r>
-                        </a:p>
-                        <a:p>
-                          <a:pPr marL="184150" marR="5080" indent="-171450">
-                            <a:lnSpc>
-                              <a:spcPct val="100000"/>
-                            </a:lnSpc>
-                            <a:spcBef>
-                              <a:spcPts val="95"/>
-                            </a:spcBef>
-                            <a:buFont typeface="Arial" panose="020B0604020202020204" pitchFamily="34" charset="0"/>
-                            <a:buChar char="•"/>
-                          </a:pPr>
-                          <a:r>
-                            <a:rPr lang="en-US" sz="1100" dirty="0">
-                              <a:latin typeface="Times New Roman" panose="02020603050405020304" pitchFamily="18" charset="0"/>
-                              <a:cs typeface="Times New Roman" panose="02020603050405020304" pitchFamily="18" charset="0"/>
-                            </a:rPr>
-                            <a:t>Integrated a dynamically updating multi-axis graph in C++ and Python from data from sensor input</a:t>
-                          </a:r>
-                        </a:p>
-                        <a:p>
-                          <a:pPr marL="184150" marR="5080" indent="-171450">
-                            <a:lnSpc>
-                              <a:spcPct val="100000"/>
-                            </a:lnSpc>
-                            <a:spcBef>
-                              <a:spcPts val="95"/>
-                            </a:spcBef>
-                            <a:buFont typeface="Arial" panose="020B0604020202020204" pitchFamily="34" charset="0"/>
-                            <a:buChar char="•"/>
-                          </a:pPr>
-                          <a:r>
-                            <a:rPr lang="en-US" sz="1100" dirty="0">
-                              <a:latin typeface="Times New Roman" panose="02020603050405020304" pitchFamily="18" charset="0"/>
-                              <a:cs typeface="Times New Roman" panose="02020603050405020304" pitchFamily="18" charset="0"/>
-                            </a:rPr>
-                            <a:t>Directed total system wiring, total system design and construction.</a:t>
-                          </a:r>
-                        </a:p>
-                        <a:p>
-                          <a:pPr marL="184150" marR="5080" indent="-171450">
-                            <a:lnSpc>
-                              <a:spcPct val="100000"/>
-                            </a:lnSpc>
-                            <a:spcBef>
-                              <a:spcPts val="95"/>
-                            </a:spcBef>
-                            <a:buFont typeface="Arial" panose="020B0604020202020204" pitchFamily="34" charset="0"/>
-                            <a:buChar char="•"/>
-                          </a:pPr>
-                          <a:r>
-                            <a:rPr lang="en-US" sz="1100" dirty="0">
-                              <a:latin typeface="Times New Roman" panose="02020603050405020304" pitchFamily="18" charset="0"/>
-                              <a:cs typeface="Times New Roman" panose="02020603050405020304" pitchFamily="18" charset="0"/>
-                            </a:rPr>
-                            <a:t>Received Best Design Popular Vote during Craig M. Berge Senior Capstone Design Day</a:t>
-                          </a:r>
-                        </a:p>
-                      </p:txBody>
-                    </p:sp>
-                  </p:grpSp>
-                  <p:sp>
-                    <p:nvSpPr>
-                      <p:cNvPr id="2" name="TextBox 1">
-                        <a:extLst>
-                          <a:ext uri="{FF2B5EF4-FFF2-40B4-BE49-F238E27FC236}">
-                            <a16:creationId xmlns:a16="http://schemas.microsoft.com/office/drawing/2014/main" id="{3F733331-F4F9-CA25-D32D-02FBA1D2384C}"/>
-                          </a:ext>
-                        </a:extLst>
-                      </p:cNvPr>
-                      <p:cNvSpPr txBox="1"/>
-                      <p:nvPr/>
-                    </p:nvSpPr>
-                    <p:spPr>
-                      <a:xfrm>
-                        <a:off x="4784689" y="4835061"/>
-                        <a:ext cx="1631513" cy="400110"/>
-                      </a:xfrm>
-                      <a:prstGeom prst="rect">
-                        <a:avLst/>
-                      </a:prstGeom>
-                      <a:noFill/>
-                    </p:spPr>
-                    <p:txBody>
-                      <a:bodyPr wrap="square" rtlCol="0">
-                        <a:spAutoFit/>
-                      </a:bodyPr>
-                      <a:lstStyle/>
-                      <a:p>
-                        <a:pPr algn="ctr"/>
-                        <a:r>
-                          <a:rPr lang="en-US" sz="1000" i="1" dirty="0">
-                            <a:latin typeface="Times New Roman" panose="02020603050405020304" pitchFamily="18" charset="0"/>
-                            <a:cs typeface="Times New Roman" panose="02020603050405020304" pitchFamily="18" charset="0"/>
-                          </a:rPr>
-                          <a:t>Tucson, AZ</a:t>
-                        </a:r>
-                      </a:p>
-                      <a:p>
-                        <a:pPr algn="ctr"/>
-                        <a:r>
-                          <a:rPr lang="en-US" sz="1000" i="1" dirty="0">
-                            <a:latin typeface="Times New Roman" panose="02020603050405020304" pitchFamily="18" charset="0"/>
-                            <a:cs typeface="Times New Roman" panose="02020603050405020304" pitchFamily="18" charset="0"/>
-                          </a:rPr>
-                          <a:t>August 2022 – May 2023</a:t>
-                        </a:r>
-                      </a:p>
-                    </p:txBody>
-                  </p:sp>
-                </p:grpSp>
-              </p:grpSp>
-              <p:sp>
-                <p:nvSpPr>
-                  <p:cNvPr id="26" name="TextBox 25">
-                    <a:extLst>
-                      <a:ext uri="{FF2B5EF4-FFF2-40B4-BE49-F238E27FC236}">
-                        <a16:creationId xmlns:a16="http://schemas.microsoft.com/office/drawing/2014/main" id="{B7C89DC2-68E7-8910-5B3E-3D2F987D9814}"/>
-                      </a:ext>
-                    </a:extLst>
-                  </p:cNvPr>
-                  <p:cNvSpPr txBox="1"/>
-                  <p:nvPr/>
-                </p:nvSpPr>
-                <p:spPr>
-                  <a:xfrm>
-                    <a:off x="4953920" y="3210990"/>
-                    <a:ext cx="1631513" cy="400110"/>
-                  </a:xfrm>
-                  <a:prstGeom prst="rect">
-                    <a:avLst/>
-                  </a:prstGeom>
-                  <a:noFill/>
-                </p:spPr>
-                <p:txBody>
-                  <a:bodyPr wrap="square" rtlCol="0">
-                    <a:spAutoFit/>
-                  </a:bodyPr>
-                  <a:lstStyle/>
-                  <a:p>
-                    <a:pPr algn="ctr"/>
-                    <a:r>
-                      <a:rPr lang="en-US" sz="1000" i="1" dirty="0">
-                        <a:latin typeface="Times New Roman" panose="02020603050405020304" pitchFamily="18" charset="0"/>
-                        <a:cs typeface="Times New Roman" panose="02020603050405020304" pitchFamily="18" charset="0"/>
-                      </a:rPr>
-                      <a:t>Chandler, AZ</a:t>
-                    </a:r>
-                  </a:p>
-                  <a:p>
-                    <a:pPr algn="ctr"/>
-                    <a:r>
-                      <a:rPr lang="en-US" sz="1000" i="1" dirty="0">
-                        <a:latin typeface="Times New Roman" panose="02020603050405020304" pitchFamily="18" charset="0"/>
-                        <a:cs typeface="Times New Roman" panose="02020603050405020304" pitchFamily="18" charset="0"/>
-                      </a:rPr>
-                      <a:t>June 2021 – June 2023</a:t>
-                    </a:r>
-                  </a:p>
-                </p:txBody>
-              </p:sp>
-            </p:grpSp>
-            <p:sp>
-              <p:nvSpPr>
-                <p:cNvPr id="6" name="TextBox 5">
-                  <a:extLst>
-                    <a:ext uri="{FF2B5EF4-FFF2-40B4-BE49-F238E27FC236}">
-                      <a16:creationId xmlns:a16="http://schemas.microsoft.com/office/drawing/2014/main" id="{E3BAC1EA-2ABF-287D-2AD5-70F9A3871F7B}"/>
-                    </a:ext>
-                  </a:extLst>
-                </p:cNvPr>
-                <p:cNvSpPr txBox="1"/>
-                <p:nvPr/>
-              </p:nvSpPr>
-              <p:spPr>
-                <a:xfrm>
-                  <a:off x="4960079" y="5357070"/>
-                  <a:ext cx="1631513" cy="400110"/>
-                </a:xfrm>
-                <a:prstGeom prst="rect">
-                  <a:avLst/>
-                </a:prstGeom>
-                <a:noFill/>
-              </p:spPr>
-              <p:txBody>
-                <a:bodyPr wrap="square" rtlCol="0">
-                  <a:spAutoFit/>
-                </a:bodyPr>
-                <a:lstStyle/>
-                <a:p>
-                  <a:pPr algn="ctr"/>
-                  <a:r>
-                    <a:rPr lang="en-US" sz="1000" i="1" dirty="0">
-                      <a:latin typeface="Times New Roman" panose="02020603050405020304" pitchFamily="18" charset="0"/>
-                      <a:cs typeface="Times New Roman" panose="02020603050405020304" pitchFamily="18" charset="0"/>
-                    </a:rPr>
-                    <a:t>Tucson, AZ</a:t>
-                  </a:r>
-                </a:p>
-                <a:p>
-                  <a:pPr algn="ctr"/>
-                  <a:r>
-                    <a:rPr lang="en-US" sz="1000" i="1" dirty="0">
-                      <a:latin typeface="Times New Roman" panose="02020603050405020304" pitchFamily="18" charset="0"/>
-                      <a:cs typeface="Times New Roman" panose="02020603050405020304" pitchFamily="18" charset="0"/>
-                    </a:rPr>
-                    <a:t>June 2021 – June 2023</a:t>
-                  </a:r>
-                </a:p>
-              </p:txBody>
-            </p:sp>
-          </p:grpSp>
-          <p:grpSp>
-            <p:nvGrpSpPr>
-              <p:cNvPr id="30" name="Group 29">
-                <a:extLst>
-                  <a:ext uri="{FF2B5EF4-FFF2-40B4-BE49-F238E27FC236}">
-                    <a16:creationId xmlns:a16="http://schemas.microsoft.com/office/drawing/2014/main" id="{39325C4C-E210-7FBB-E1F4-1EBC10F337F6}"/>
-                  </a:ext>
-                </a:extLst>
-              </p:cNvPr>
-              <p:cNvGrpSpPr/>
-              <p:nvPr/>
-            </p:nvGrpSpPr>
-            <p:grpSpPr>
-              <a:xfrm>
-                <a:off x="428410" y="3050276"/>
-                <a:ext cx="6010471" cy="307777"/>
-                <a:chOff x="428410" y="3050276"/>
-                <a:chExt cx="6010471" cy="307777"/>
-              </a:xfrm>
-            </p:grpSpPr>
-            <p:sp>
-              <p:nvSpPr>
-                <p:cNvPr id="24" name="TextBox 23">
-                  <a:extLst>
-                    <a:ext uri="{FF2B5EF4-FFF2-40B4-BE49-F238E27FC236}">
-                      <a16:creationId xmlns:a16="http://schemas.microsoft.com/office/drawing/2014/main" id="{B98B2A66-C9C4-DF0C-4BBD-E2BDFBABB4FB}"/>
-                    </a:ext>
-                  </a:extLst>
-                </p:cNvPr>
-                <p:cNvSpPr txBox="1"/>
-                <p:nvPr/>
-              </p:nvSpPr>
-              <p:spPr>
-                <a:xfrm>
-                  <a:off x="428410" y="3050276"/>
-                  <a:ext cx="4403753" cy="307777"/>
-                </a:xfrm>
-                <a:prstGeom prst="rect">
-                  <a:avLst/>
-                </a:prstGeom>
-                <a:noFill/>
-              </p:spPr>
-              <p:txBody>
-                <a:bodyPr wrap="square" rtlCol="0">
-                  <a:spAutoFit/>
-                </a:bodyPr>
-                <a:lstStyle/>
-                <a:p>
-                  <a:r>
-                    <a:rPr lang="en-US" sz="1400" b="1" dirty="0">
-                      <a:latin typeface="Times New Roman" panose="02020603050405020304" pitchFamily="18" charset="0"/>
-                      <a:cs typeface="Times New Roman" panose="02020603050405020304" pitchFamily="18" charset="0"/>
-                    </a:rPr>
-                    <a:t>Professional Experience</a:t>
-                  </a:r>
-                  <a:endParaRPr lang="en-US" sz="1600" b="1" dirty="0">
-                    <a:latin typeface="Times New Roman" panose="02020603050405020304" pitchFamily="18" charset="0"/>
-                    <a:cs typeface="Times New Roman" panose="02020603050405020304" pitchFamily="18" charset="0"/>
-                  </a:endParaRPr>
-                </a:p>
-              </p:txBody>
-            </p:sp>
-            <p:cxnSp>
-              <p:nvCxnSpPr>
-                <p:cNvPr id="34" name="Straight Connector 33">
-                  <a:extLst>
-                    <a:ext uri="{FF2B5EF4-FFF2-40B4-BE49-F238E27FC236}">
-                      <a16:creationId xmlns:a16="http://schemas.microsoft.com/office/drawing/2014/main" id="{5FE7C6A4-6F4C-F89A-62F0-27061895AFB3}"/>
-                    </a:ext>
-                  </a:extLst>
-                </p:cNvPr>
-                <p:cNvCxnSpPr>
-                  <a:cxnSpLocks/>
-                </p:cNvCxnSpPr>
-                <p:nvPr/>
-              </p:nvCxnSpPr>
-              <p:spPr>
-                <a:xfrm flipV="1">
-                  <a:off x="501631" y="3291651"/>
-                  <a:ext cx="5937250" cy="1777"/>
-                </a:xfrm>
-                <a:prstGeom prst="line">
-                  <a:avLst/>
-                </a:prstGeom>
-                <a:ln>
-                  <a:solidFill>
-                    <a:schemeClr val="tx1"/>
-                  </a:solidFill>
-                </a:ln>
-              </p:spPr>
-              <p:style>
-                <a:lnRef idx="1">
-                  <a:schemeClr val="accent1"/>
-                </a:lnRef>
-                <a:fillRef idx="0">
-                  <a:schemeClr val="accent1"/>
-                </a:fillRef>
-                <a:effectRef idx="0">
-                  <a:schemeClr val="accent1"/>
-                </a:effectRef>
-                <a:fontRef idx="minor">
-                  <a:schemeClr val="tx1"/>
-                </a:fontRef>
-              </p:style>
-            </p:cxnSp>
-          </p:grpSp>
         </p:grpSp>
       </p:grpSp>
       <p:grpSp>
@@ -3155,10 +2758,10 @@
         </p:nvGrpSpPr>
         <p:grpSpPr>
           <a:xfrm>
-            <a:off x="403951" y="1082006"/>
-            <a:ext cx="6057020" cy="1226555"/>
+            <a:off x="387922" y="1041351"/>
+            <a:ext cx="6057020" cy="1318888"/>
             <a:chOff x="389735" y="1173763"/>
-            <a:chExt cx="6063757" cy="1226555"/>
+            <a:chExt cx="6063757" cy="1318888"/>
           </a:xfrm>
         </p:grpSpPr>
         <p:sp>
@@ -3191,13 +2794,13 @@
             <a:p>
               <a:r>
                 <a:rPr lang="en-US" sz="1400" b="1" dirty="0">
-                  <a:latin typeface="Times New Roman" panose="02020603050405020304" pitchFamily="18" charset="0"/>
+                  <a:latin typeface="+mj-lt"/>
                   <a:cs typeface="Times New Roman" panose="02020603050405020304" pitchFamily="18" charset="0"/>
                 </a:rPr>
-                <a:t>Summary of Qualifications</a:t>
+                <a:t>Personal Statement</a:t>
               </a:r>
               <a:endParaRPr lang="en-US" sz="1600" b="1" dirty="0">
-                <a:latin typeface="Times New Roman" panose="02020603050405020304" pitchFamily="18" charset="0"/>
+                <a:latin typeface="+mj-lt"/>
                 <a:cs typeface="Times New Roman" panose="02020603050405020304" pitchFamily="18" charset="0"/>
               </a:endParaRPr>
             </a:p>
@@ -3261,7 +2864,7 @@
           <p:spPr>
             <a:xfrm>
               <a:off x="389735" y="1384655"/>
-              <a:ext cx="6063757" cy="1015663"/>
+              <a:ext cx="6063757" cy="1107996"/>
             </a:xfrm>
             <a:prstGeom prst="rect">
               <a:avLst/>
@@ -3283,182 +2886,353 @@
                 </a:spcBef>
               </a:pPr>
               <a:r>
-                <a:rPr lang="en-US" sz="1200" spc="-10" dirty="0">
-                  <a:latin typeface="Times New Roman" panose="02020603050405020304" pitchFamily="18" charset="0"/>
+                <a:rPr lang="en-US" sz="1100" dirty="0"/>
+                <a:t>As an aspiring young professional with a robust education in software and hardware engineering, I bring a developing background enriched by leadership roles in the Engineer Student Council and as a Design Team lead. My approach emphasizes continuous learning, active listening, and thoughtful reflection to support both my peers and personal growth. Currently, I am engaged in diverse projects including self-study in data structures and algorithms, crafting custom mechanical keyboards, and expanding my skills in automobile repair and mechanical engineering.</a:t>
+              </a:r>
+              <a:endParaRPr lang="en-US" sz="1100" spc="-10" dirty="0">
+                <a:latin typeface="+mj-lt"/>
+                <a:cs typeface="Times New Roman" panose="02020603050405020304" pitchFamily="18" charset="0"/>
+              </a:endParaRPr>
+            </a:p>
+          </p:txBody>
+        </p:sp>
+      </p:grpSp>
+      <p:grpSp>
+        <p:nvGrpSpPr>
+          <p:cNvPr id="23" name="Group 22">
+            <a:extLst>
+              <a:ext uri="{FF2B5EF4-FFF2-40B4-BE49-F238E27FC236}">
+                <a16:creationId xmlns:a16="http://schemas.microsoft.com/office/drawing/2014/main" id="{E84AF936-A36D-CD00-3370-0713F670FB75}"/>
+              </a:ext>
+            </a:extLst>
+          </p:cNvPr>
+          <p:cNvGrpSpPr/>
+          <p:nvPr/>
+        </p:nvGrpSpPr>
+        <p:grpSpPr>
+          <a:xfrm>
+            <a:off x="386860" y="6964016"/>
+            <a:ext cx="6315865" cy="1582749"/>
+            <a:chOff x="389925" y="7336681"/>
+            <a:chExt cx="6315865" cy="1582749"/>
+          </a:xfrm>
+        </p:grpSpPr>
+        <p:grpSp>
+          <p:nvGrpSpPr>
+            <p:cNvPr id="43" name="Group 42">
+              <a:extLst>
+                <a:ext uri="{FF2B5EF4-FFF2-40B4-BE49-F238E27FC236}">
+                  <a16:creationId xmlns:a16="http://schemas.microsoft.com/office/drawing/2014/main" id="{85480E89-096B-64BB-44B6-1CEA5FF9B7F9}"/>
+                </a:ext>
+              </a:extLst>
+            </p:cNvPr>
+            <p:cNvGrpSpPr/>
+            <p:nvPr/>
+          </p:nvGrpSpPr>
+          <p:grpSpPr>
+            <a:xfrm>
+              <a:off x="389925" y="7336681"/>
+              <a:ext cx="6315865" cy="1582749"/>
+              <a:chOff x="366278" y="5969812"/>
+              <a:chExt cx="6315865" cy="1582749"/>
+            </a:xfrm>
+          </p:grpSpPr>
+          <p:cxnSp>
+            <p:nvCxnSpPr>
+              <p:cNvPr id="37" name="Straight Connector 36">
+                <a:extLst>
+                  <a:ext uri="{FF2B5EF4-FFF2-40B4-BE49-F238E27FC236}">
+                    <a16:creationId xmlns:a16="http://schemas.microsoft.com/office/drawing/2014/main" id="{F352AFFF-9F0B-F4AB-470A-4A11F938F516}"/>
+                  </a:ext>
+                </a:extLst>
+              </p:cNvPr>
+              <p:cNvCxnSpPr>
+                <a:cxnSpLocks/>
+              </p:cNvCxnSpPr>
+              <p:nvPr/>
+            </p:nvCxnSpPr>
+            <p:spPr>
+              <a:xfrm flipV="1">
+                <a:off x="441962" y="6207869"/>
+                <a:ext cx="5937250" cy="1777"/>
+              </a:xfrm>
+              <a:prstGeom prst="line">
+                <a:avLst/>
+              </a:prstGeom>
+              <a:ln>
+                <a:solidFill>
+                  <a:schemeClr val="tx1"/>
+                </a:solidFill>
+              </a:ln>
+            </p:spPr>
+            <p:style>
+              <a:lnRef idx="1">
+                <a:schemeClr val="accent1"/>
+              </a:lnRef>
+              <a:fillRef idx="0">
+                <a:schemeClr val="accent1"/>
+              </a:fillRef>
+              <a:effectRef idx="0">
+                <a:schemeClr val="accent1"/>
+              </a:effectRef>
+              <a:fontRef idx="minor">
+                <a:schemeClr val="tx1"/>
+              </a:fontRef>
+            </p:style>
+          </p:cxnSp>
+          <p:sp>
+            <p:nvSpPr>
+              <p:cNvPr id="38" name="TextBox 37">
+                <a:extLst>
+                  <a:ext uri="{FF2B5EF4-FFF2-40B4-BE49-F238E27FC236}">
+                    <a16:creationId xmlns:a16="http://schemas.microsoft.com/office/drawing/2014/main" id="{EEB0DD46-7F97-0052-3F79-B5279C7267EC}"/>
+                  </a:ext>
+                </a:extLst>
+              </p:cNvPr>
+              <p:cNvSpPr txBox="1"/>
+              <p:nvPr/>
+            </p:nvSpPr>
+            <p:spPr>
+              <a:xfrm>
+                <a:off x="370779" y="5969812"/>
+                <a:ext cx="2720249" cy="307777"/>
+              </a:xfrm>
+              <a:prstGeom prst="rect">
+                <a:avLst/>
+              </a:prstGeom>
+              <a:noFill/>
+            </p:spPr>
+            <p:txBody>
+              <a:bodyPr wrap="square" rtlCol="0">
+                <a:spAutoFit/>
+              </a:bodyPr>
+              <a:lstStyle/>
+              <a:p>
+                <a:r>
+                  <a:rPr lang="en-US" sz="1400" b="1" dirty="0">
+                    <a:latin typeface="+mj-lt"/>
+                    <a:cs typeface="Times New Roman" panose="02020603050405020304" pitchFamily="18" charset="0"/>
+                  </a:rPr>
+                  <a:t>RELATED PROJECTS</a:t>
+                </a:r>
+                <a:endParaRPr lang="en-US" sz="1600" b="1" dirty="0">
+                  <a:latin typeface="+mj-lt"/>
+                  <a:cs typeface="Times New Roman" panose="02020603050405020304" pitchFamily="18" charset="0"/>
+                </a:endParaRPr>
+              </a:p>
+            </p:txBody>
+          </p:sp>
+          <p:sp>
+            <p:nvSpPr>
+              <p:cNvPr id="40" name="TextBox 39">
+                <a:extLst>
+                  <a:ext uri="{FF2B5EF4-FFF2-40B4-BE49-F238E27FC236}">
+                    <a16:creationId xmlns:a16="http://schemas.microsoft.com/office/drawing/2014/main" id="{FD97897A-56A2-AC9B-7910-35368B37DA49}"/>
+                  </a:ext>
+                </a:extLst>
+              </p:cNvPr>
+              <p:cNvSpPr txBox="1"/>
+              <p:nvPr/>
+            </p:nvSpPr>
+            <p:spPr>
+              <a:xfrm>
+                <a:off x="366278" y="6198344"/>
+                <a:ext cx="6315865" cy="1354217"/>
+              </a:xfrm>
+              <a:prstGeom prst="rect">
+                <a:avLst/>
+              </a:prstGeom>
+              <a:noFill/>
+            </p:spPr>
+            <p:txBody>
+              <a:bodyPr wrap="square">
+                <a:spAutoFit/>
+              </a:bodyPr>
+              <a:lstStyle/>
+              <a:p>
+                <a:pPr marL="12700" marR="5080">
+                  <a:spcBef>
+                    <a:spcPts val="95"/>
+                  </a:spcBef>
+                </a:pPr>
+                <a:r>
+                  <a:rPr lang="en-US" sz="1100" b="1" dirty="0">
+                    <a:latin typeface="+mj-lt"/>
+                    <a:cs typeface="Times New Roman" panose="02020603050405020304" pitchFamily="18" charset="0"/>
+                  </a:rPr>
+                  <a:t>Senior Design Project - Software and Hardware Design Team Lead</a:t>
+                </a:r>
+              </a:p>
+              <a:p>
+                <a:pPr marL="12700" marR="5080">
+                  <a:spcBef>
+                    <a:spcPts val="95"/>
+                  </a:spcBef>
+                </a:pPr>
+                <a:r>
+                  <a:rPr lang="en-US" sz="1100" b="1" dirty="0">
+                    <a:latin typeface="+mj-lt"/>
+                    <a:cs typeface="Times New Roman" panose="02020603050405020304" pitchFamily="18" charset="0"/>
+                  </a:rPr>
+                  <a:t>University of Arizona &amp; Microsoft Corporation</a:t>
+                </a:r>
+                <a:endParaRPr lang="en-US" sz="1100" dirty="0">
+                  <a:latin typeface="+mj-lt"/>
+                  <a:cs typeface="Times New Roman" panose="02020603050405020304" pitchFamily="18" charset="0"/>
+                </a:endParaRPr>
+              </a:p>
+              <a:p>
+                <a:pPr marL="184150" marR="5080" indent="-171450">
+                  <a:lnSpc>
+                    <a:spcPct val="100000"/>
+                  </a:lnSpc>
+                  <a:spcBef>
+                    <a:spcPts val="95"/>
+                  </a:spcBef>
+                  <a:buFont typeface="Arial" panose="020B0604020202020204" pitchFamily="34" charset="0"/>
+                  <a:buChar char="•"/>
+                </a:pPr>
+                <a:r>
+                  <a:rPr lang="en-US" sz="1100" dirty="0">
+                    <a:latin typeface="+mj-lt"/>
+                    <a:cs typeface="Times New Roman" panose="02020603050405020304" pitchFamily="18" charset="0"/>
+                  </a:rPr>
+                  <a:t>Prototyped and constructed a Two-Phase Immersion Cooling server for Microsoft using FC-72 Fluorinert. </a:t>
+                </a:r>
+              </a:p>
+              <a:p>
+                <a:pPr marL="184150" marR="5080" indent="-171450">
+                  <a:lnSpc>
+                    <a:spcPct val="100000"/>
+                  </a:lnSpc>
+                  <a:spcBef>
+                    <a:spcPts val="95"/>
+                  </a:spcBef>
+                  <a:buFont typeface="Arial" panose="020B0604020202020204" pitchFamily="34" charset="0"/>
+                  <a:buChar char="•"/>
+                </a:pPr>
+                <a:r>
+                  <a:rPr lang="en-US" sz="1100" dirty="0">
+                    <a:latin typeface="+mj-lt"/>
+                    <a:cs typeface="Times New Roman" panose="02020603050405020304" pitchFamily="18" charset="0"/>
+                  </a:rPr>
+                  <a:t>Designed and coded a Graphical User Interface in Python for system and sensor control. </a:t>
+                </a:r>
+              </a:p>
+              <a:p>
+                <a:pPr marL="184150" marR="5080" indent="-171450">
+                  <a:lnSpc>
+                    <a:spcPct val="100000"/>
+                  </a:lnSpc>
+                  <a:spcBef>
+                    <a:spcPts val="95"/>
+                  </a:spcBef>
+                  <a:buFont typeface="Arial" panose="020B0604020202020204" pitchFamily="34" charset="0"/>
+                  <a:buChar char="•"/>
+                </a:pPr>
+                <a:r>
+                  <a:rPr lang="en-US" sz="1100" dirty="0">
+                    <a:latin typeface="+mj-lt"/>
+                    <a:cs typeface="Times New Roman" panose="02020603050405020304" pitchFamily="18" charset="0"/>
+                  </a:rPr>
+                  <a:t>Coded and integrated a dynamically updating multi-axis graph in C++ and Python sensor inputted data</a:t>
+                </a:r>
+              </a:p>
+              <a:p>
+                <a:pPr marL="184150" marR="5080" indent="-171450">
+                  <a:lnSpc>
+                    <a:spcPct val="100000"/>
+                  </a:lnSpc>
+                  <a:spcBef>
+                    <a:spcPts val="95"/>
+                  </a:spcBef>
+                  <a:buFont typeface="Arial" panose="020B0604020202020204" pitchFamily="34" charset="0"/>
+                  <a:buChar char="•"/>
+                </a:pPr>
+                <a:r>
+                  <a:rPr lang="en-US" sz="1100" dirty="0">
+                    <a:latin typeface="+mj-lt"/>
+                    <a:cs typeface="Times New Roman" panose="02020603050405020304" pitchFamily="18" charset="0"/>
+                  </a:rPr>
+                  <a:t>Directed total system wiring, total system design, and construction.</a:t>
+                </a:r>
+              </a:p>
+              <a:p>
+                <a:pPr marL="184150" marR="5080" indent="-171450">
+                  <a:lnSpc>
+                    <a:spcPct val="100000"/>
+                  </a:lnSpc>
+                  <a:spcBef>
+                    <a:spcPts val="95"/>
+                  </a:spcBef>
+                  <a:buFont typeface="Arial" panose="020B0604020202020204" pitchFamily="34" charset="0"/>
+                  <a:buChar char="•"/>
+                </a:pPr>
+                <a:r>
+                  <a:rPr lang="en-US" sz="1100" dirty="0">
+                    <a:latin typeface="+mj-lt"/>
+                    <a:cs typeface="Times New Roman" panose="02020603050405020304" pitchFamily="18" charset="0"/>
+                  </a:rPr>
+                  <a:t>Received Best Design Popular Vote during Craig M. Berge Senior Capstone Design Day</a:t>
+                </a:r>
+              </a:p>
+            </p:txBody>
+          </p:sp>
+        </p:grpSp>
+        <p:sp>
+          <p:nvSpPr>
+            <p:cNvPr id="2" name="TextBox 1">
+              <a:extLst>
+                <a:ext uri="{FF2B5EF4-FFF2-40B4-BE49-F238E27FC236}">
+                  <a16:creationId xmlns:a16="http://schemas.microsoft.com/office/drawing/2014/main" id="{3F733331-F4F9-CA25-D32D-02FBA1D2384C}"/>
+                </a:ext>
+              </a:extLst>
+            </p:cNvPr>
+            <p:cNvSpPr txBox="1"/>
+            <p:nvPr/>
+          </p:nvSpPr>
+          <p:spPr>
+            <a:xfrm>
+              <a:off x="4934081" y="7574738"/>
+              <a:ext cx="1631513" cy="400110"/>
+            </a:xfrm>
+            <a:prstGeom prst="rect">
+              <a:avLst/>
+            </a:prstGeom>
+            <a:noFill/>
+          </p:spPr>
+          <p:txBody>
+            <a:bodyPr wrap="square" rtlCol="0">
+              <a:spAutoFit/>
+            </a:bodyPr>
+            <a:lstStyle/>
+            <a:p>
+              <a:pPr algn="ctr"/>
+              <a:r>
+                <a:rPr lang="en-US" sz="1000" i="1" dirty="0">
+                  <a:latin typeface="+mj-lt"/>
                   <a:cs typeface="Times New Roman" panose="02020603050405020304" pitchFamily="18" charset="0"/>
                 </a:rPr>
-                <a:t>Aspiring young professional with a developing background and strong education in software and hardware engineering. As a former leader in Engineer Student Council and Design Team lead, I naturally learn, listen, and reflect to support those around me and myself. I am currently working on a myriad of projects such as data structure and algorithms self-study, building custom mechanical keyboards, and learning new skills in automobile repair and mechanical engineering.</a:t>
+                <a:t>Tucson, AZ</a:t>
+              </a:r>
+            </a:p>
+            <a:p>
+              <a:pPr algn="ctr"/>
+              <a:r>
+                <a:rPr lang="en-US" sz="1000" i="1" dirty="0">
+                  <a:latin typeface="+mj-lt"/>
+                  <a:cs typeface="Times New Roman" panose="02020603050405020304" pitchFamily="18" charset="0"/>
+                </a:rPr>
+                <a:t>August 2022 – May 2023</a:t>
               </a:r>
             </a:p>
           </p:txBody>
         </p:sp>
       </p:grpSp>
-      <mc:AlternateContent xmlns:mc="http://schemas.openxmlformats.org/markup-compatibility/2006">
-        <mc:Choice xmlns:pslz="http://schemas.microsoft.com/office/powerpoint/2016/slidezoom" Requires="pslz">
-          <p:graphicFrame>
-            <p:nvGraphicFramePr>
-              <p:cNvPr id="25" name="Slide Zoom 24">
-                <a:extLst>
-                  <a:ext uri="{FF2B5EF4-FFF2-40B4-BE49-F238E27FC236}">
-                    <a16:creationId xmlns:a16="http://schemas.microsoft.com/office/drawing/2014/main" id="{76EA82C1-9FA9-6DD0-E6BA-A22A315FB250}"/>
-                  </a:ext>
-                </a:extLst>
-              </p:cNvPr>
-              <p:cNvGraphicFramePr>
-                <a:graphicFrameLocks noChangeAspect="1"/>
-              </p:cNvGraphicFramePr>
-              <p:nvPr>
-                <p:extLst>
-                  <p:ext uri="{D42A27DB-BD31-4B8C-83A1-F6EECF244321}">
-                    <p14:modId xmlns:p14="http://schemas.microsoft.com/office/powerpoint/2010/main" val="3400235251"/>
-                  </p:ext>
-                </p:extLst>
-              </p:nvPr>
-            </p:nvGraphicFramePr>
-            <p:xfrm>
-              <a:off x="6737579" y="433086"/>
-              <a:ext cx="4956810" cy="6609080"/>
-            </p:xfrm>
-            <a:graphic>
-              <a:graphicData uri="http://schemas.microsoft.com/office/powerpoint/2016/slidezoom">
-                <pslz:sldZm>
-                  <pslz:sldZmObj sldId="258" cId="2100999687">
-                    <pslz:zmPr id="{FF7660FE-D2AE-4CCB-868C-2180D44D658B}" returnToParent="0" transitionDur="1000">
-                      <p166:blipFill xmlns:p166="http://schemas.microsoft.com/office/powerpoint/2016/6/main">
-                        <a:blip r:embed="rId5"/>
-                        <a:stretch>
-                          <a:fillRect/>
-                        </a:stretch>
-                      </p166:blipFill>
-                      <p166:spPr xmlns:p166="http://schemas.microsoft.com/office/powerpoint/2016/6/main">
-                        <a:xfrm>
-                          <a:off x="0" y="0"/>
-                          <a:ext cx="4956810" cy="6609080"/>
-                        </a:xfrm>
-                        <a:prstGeom prst="rect">
-                          <a:avLst/>
-                        </a:prstGeom>
-                        <a:ln w="3175">
-                          <a:solidFill>
-                            <a:prstClr val="ltGray"/>
-                          </a:solidFill>
-                        </a:ln>
-                      </p166:spPr>
-                    </pslz:zmPr>
-                  </pslz:sldZmObj>
-                </pslz:sldZm>
-              </a:graphicData>
-            </a:graphic>
-          </p:graphicFrame>
-        </mc:Choice>
-        <mc:Fallback>
-          <p:pic>
-            <p:nvPicPr>
-              <p:cNvPr id="25" name="Slide Zoom 24">
-                <a:hlinkClick r:id="rId6" action="ppaction://hlinksldjump"/>
-                <a:extLst>
-                  <a:ext uri="{FF2B5EF4-FFF2-40B4-BE49-F238E27FC236}">
-                    <a16:creationId xmlns:a16="http://schemas.microsoft.com/office/drawing/2014/main" id="{76EA82C1-9FA9-6DD0-E6BA-A22A315FB250}"/>
-                  </a:ext>
-                </a:extLst>
-              </p:cNvPr>
-              <p:cNvPicPr>
-                <a:picLocks noGrp="1" noRot="1" noChangeAspect="1" noMove="1" noResize="1" noEditPoints="1" noAdjustHandles="1" noChangeArrowheads="1" noChangeShapeType="1"/>
-              </p:cNvPicPr>
-              <p:nvPr/>
-            </p:nvPicPr>
-            <p:blipFill>
-              <a:blip r:embed="rId5"/>
-              <a:stretch>
-                <a:fillRect/>
-              </a:stretch>
-            </p:blipFill>
-            <p:spPr>
-              <a:xfrm>
-                <a:off x="6737579" y="433086"/>
-                <a:ext cx="4956810" cy="6609080"/>
-              </a:xfrm>
-              <a:prstGeom prst="rect">
-                <a:avLst/>
-              </a:prstGeom>
-              <a:ln w="3175">
-                <a:solidFill>
-                  <a:prstClr val="ltGray"/>
-                </a:solidFill>
-              </a:ln>
-            </p:spPr>
-          </p:pic>
-        </mc:Fallback>
-      </mc:AlternateContent>
     </p:spTree>
     <p:extLst>
       <p:ext uri="{BB962C8B-B14F-4D97-AF65-F5344CB8AC3E}">
         <p14:creationId xmlns:p14="http://schemas.microsoft.com/office/powerpoint/2010/main" val="1748369121"/>
-      </p:ext>
-    </p:extLst>
-  </p:cSld>
-  <p:clrMapOvr>
-    <a:masterClrMapping/>
-  </p:clrMapOvr>
-</p:sld>
-</file>
-
-<file path=ppt/slides/slide2.xml><?xml version="1.0" encoding="utf-8"?>
-<p:sld xmlns:a="http://schemas.openxmlformats.org/drawingml/2006/main" xmlns:r="http://schemas.openxmlformats.org/officeDocument/2006/relationships" xmlns:p="http://schemas.openxmlformats.org/presentationml/2006/main">
-  <p:cSld>
-    <p:spTree>
-      <p:nvGrpSpPr>
-        <p:cNvPr id="1" name=""/>
-        <p:cNvGrpSpPr/>
-        <p:nvPr/>
-      </p:nvGrpSpPr>
-      <p:grpSpPr>
-        <a:xfrm>
-          <a:off x="0" y="0"/>
-          <a:ext cx="0" cy="0"/>
-          <a:chOff x="0" y="0"/>
-          <a:chExt cx="0" cy="0"/>
-        </a:xfrm>
-      </p:grpSpPr>
-      <p:pic>
-        <p:nvPicPr>
-          <p:cNvPr id="5" name="Picture 4" descr="A close-up of a resume&#10;&#10;Description automatically generated">
-            <a:extLst>
-              <a:ext uri="{FF2B5EF4-FFF2-40B4-BE49-F238E27FC236}">
-                <a16:creationId xmlns:a16="http://schemas.microsoft.com/office/drawing/2014/main" id="{B2E9E00A-8AD9-8500-4384-AD6199D6670C}"/>
-              </a:ext>
-            </a:extLst>
-          </p:cNvPr>
-          <p:cNvPicPr>
-            <a:picLocks noChangeAspect="1"/>
-          </p:cNvPicPr>
-          <p:nvPr/>
-        </p:nvPicPr>
-        <p:blipFill rotWithShape="1">
-          <a:blip r:embed="rId2">
-            <a:extLst>
-              <a:ext uri="{28A0092B-C50C-407E-A947-70E740481C1C}">
-                <a14:useLocalDpi xmlns:a14="http://schemas.microsoft.com/office/drawing/2010/main" val="0"/>
-              </a:ext>
-            </a:extLst>
-          </a:blip>
-          <a:srcRect l="2222" t="1176" r="2222" b="2049"/>
-          <a:stretch/>
-        </p:blipFill>
-        <p:spPr>
-          <a:xfrm>
-            <a:off x="-19051" y="76200"/>
-            <a:ext cx="7025503" cy="9067800"/>
-          </a:xfrm>
-          <a:prstGeom prst="rect">
-            <a:avLst/>
-          </a:prstGeom>
-        </p:spPr>
-      </p:pic>
-    </p:spTree>
-    <p:extLst>
-      <p:ext uri="{BB962C8B-B14F-4D97-AF65-F5344CB8AC3E}">
-        <p14:creationId xmlns:p14="http://schemas.microsoft.com/office/powerpoint/2010/main" val="2100999687"/>
       </p:ext>
     </p:extLst>
   </p:cSld>
